--- a/Thesis_ppt.pptx
+++ b/Thesis_ppt.pptx
@@ -14,6 +14,12 @@
     <p:sldId id="262" r:id="rId8"/>
     <p:sldId id="263" r:id="rId9"/>
     <p:sldId id="264" r:id="rId10"/>
+    <p:sldId id="265" r:id="rId11"/>
+    <p:sldId id="266" r:id="rId12"/>
+    <p:sldId id="267" r:id="rId13"/>
+    <p:sldId id="268" r:id="rId14"/>
+    <p:sldId id="270" r:id="rId15"/>
+    <p:sldId id="269" r:id="rId16"/>
   </p:sldIdLst>
   <p:sldSz cx="12192000" cy="6858000"/>
   <p:notesSz cx="6858000" cy="9144000"/>
@@ -112,6 +118,11 @@
       </a:defRPr>
     </a:lvl9pPr>
   </p:defaultTextStyle>
+  <p:extLst>
+    <p:ext uri="{EFAFB233-063F-42B5-8137-9DF3F51BA10A}">
+      <p15:sldGuideLst xmlns:p15="http://schemas.microsoft.com/office/powerpoint/2012/main"/>
+    </p:ext>
+  </p:extLst>
 </p:presentation>
 </file>
 
@@ -246,7 +257,7 @@
           <a:p>
             <a:fld id="{BDBB7D42-C954-4149-BB28-9F6CC6ABB24B}" type="datetimeFigureOut">
               <a:rPr lang="en-US" smtClean="0"/>
-              <a:t>6/3/2023</a:t>
+              <a:t>6/4/2023</a:t>
             </a:fld>
             <a:endParaRPr lang="en-US"/>
           </a:p>
@@ -416,7 +427,7 @@
           <a:p>
             <a:fld id="{BDBB7D42-C954-4149-BB28-9F6CC6ABB24B}" type="datetimeFigureOut">
               <a:rPr lang="en-US" smtClean="0"/>
-              <a:t>6/3/2023</a:t>
+              <a:t>6/4/2023</a:t>
             </a:fld>
             <a:endParaRPr lang="en-US"/>
           </a:p>
@@ -596,7 +607,7 @@
           <a:p>
             <a:fld id="{BDBB7D42-C954-4149-BB28-9F6CC6ABB24B}" type="datetimeFigureOut">
               <a:rPr lang="en-US" smtClean="0"/>
-              <a:t>6/3/2023</a:t>
+              <a:t>6/4/2023</a:t>
             </a:fld>
             <a:endParaRPr lang="en-US"/>
           </a:p>
@@ -766,7 +777,7 @@
           <a:p>
             <a:fld id="{BDBB7D42-C954-4149-BB28-9F6CC6ABB24B}" type="datetimeFigureOut">
               <a:rPr lang="en-US" smtClean="0"/>
-              <a:t>6/3/2023</a:t>
+              <a:t>6/4/2023</a:t>
             </a:fld>
             <a:endParaRPr lang="en-US"/>
           </a:p>
@@ -1012,7 +1023,7 @@
           <a:p>
             <a:fld id="{BDBB7D42-C954-4149-BB28-9F6CC6ABB24B}" type="datetimeFigureOut">
               <a:rPr lang="en-US" smtClean="0"/>
-              <a:t>6/3/2023</a:t>
+              <a:t>6/4/2023</a:t>
             </a:fld>
             <a:endParaRPr lang="en-US"/>
           </a:p>
@@ -1244,7 +1255,7 @@
           <a:p>
             <a:fld id="{BDBB7D42-C954-4149-BB28-9F6CC6ABB24B}" type="datetimeFigureOut">
               <a:rPr lang="en-US" smtClean="0"/>
-              <a:t>6/3/2023</a:t>
+              <a:t>6/4/2023</a:t>
             </a:fld>
             <a:endParaRPr lang="en-US"/>
           </a:p>
@@ -1611,7 +1622,7 @@
           <a:p>
             <a:fld id="{BDBB7D42-C954-4149-BB28-9F6CC6ABB24B}" type="datetimeFigureOut">
               <a:rPr lang="en-US" smtClean="0"/>
-              <a:t>6/3/2023</a:t>
+              <a:t>6/4/2023</a:t>
             </a:fld>
             <a:endParaRPr lang="en-US"/>
           </a:p>
@@ -1729,7 +1740,7 @@
           <a:p>
             <a:fld id="{BDBB7D42-C954-4149-BB28-9F6CC6ABB24B}" type="datetimeFigureOut">
               <a:rPr lang="en-US" smtClean="0"/>
-              <a:t>6/3/2023</a:t>
+              <a:t>6/4/2023</a:t>
             </a:fld>
             <a:endParaRPr lang="en-US"/>
           </a:p>
@@ -1824,7 +1835,7 @@
           <a:p>
             <a:fld id="{BDBB7D42-C954-4149-BB28-9F6CC6ABB24B}" type="datetimeFigureOut">
               <a:rPr lang="en-US" smtClean="0"/>
-              <a:t>6/3/2023</a:t>
+              <a:t>6/4/2023</a:t>
             </a:fld>
             <a:endParaRPr lang="en-US"/>
           </a:p>
@@ -2101,7 +2112,7 @@
           <a:p>
             <a:fld id="{BDBB7D42-C954-4149-BB28-9F6CC6ABB24B}" type="datetimeFigureOut">
               <a:rPr lang="en-US" smtClean="0"/>
-              <a:t>6/3/2023</a:t>
+              <a:t>6/4/2023</a:t>
             </a:fld>
             <a:endParaRPr lang="en-US"/>
           </a:p>
@@ -2354,7 +2365,7 @@
           <a:p>
             <a:fld id="{BDBB7D42-C954-4149-BB28-9F6CC6ABB24B}" type="datetimeFigureOut">
               <a:rPr lang="en-US" smtClean="0"/>
-              <a:t>6/3/2023</a:t>
+              <a:t>6/4/2023</a:t>
             </a:fld>
             <a:endParaRPr lang="en-US"/>
           </a:p>
@@ -2567,7 +2578,7 @@
           <a:p>
             <a:fld id="{BDBB7D42-C954-4149-BB28-9F6CC6ABB24B}" type="datetimeFigureOut">
               <a:rPr lang="en-US" smtClean="0"/>
-              <a:t>6/3/2023</a:t>
+              <a:t>6/4/2023</a:t>
             </a:fld>
             <a:endParaRPr lang="en-US"/>
           </a:p>
@@ -3265,6 +3276,3484 @@
 </p:sld>
 </file>
 
+<file path=ppt/slides/slide10.xml><?xml version="1.0" encoding="utf-8"?>
+<p:sld xmlns:a="http://schemas.openxmlformats.org/drawingml/2006/main" xmlns:r="http://schemas.openxmlformats.org/officeDocument/2006/relationships" xmlns:p="http://schemas.openxmlformats.org/presentationml/2006/main">
+  <p:cSld>
+    <p:spTree>
+      <p:nvGrpSpPr>
+        <p:cNvPr id="1" name=""/>
+        <p:cNvGrpSpPr/>
+        <p:nvPr/>
+      </p:nvGrpSpPr>
+      <p:grpSpPr>
+        <a:xfrm>
+          <a:off x="0" y="0"/>
+          <a:ext cx="0" cy="0"/>
+          <a:chOff x="0" y="0"/>
+          <a:chExt cx="0" cy="0"/>
+        </a:xfrm>
+      </p:grpSpPr>
+      <p:sp>
+        <p:nvSpPr>
+          <p:cNvPr id="2" name="Title 1"/>
+          <p:cNvSpPr>
+            <a:spLocks noGrp="1"/>
+          </p:cNvSpPr>
+          <p:nvPr>
+            <p:ph type="title"/>
+          </p:nvPr>
+        </p:nvSpPr>
+        <p:spPr/>
+        <p:txBody>
+          <a:bodyPr/>
+          <a:lstStyle/>
+          <a:p>
+            <a:r>
+              <a:rPr lang="en-US" dirty="0" smtClean="0"/>
+              <a:t>Methodology Overview</a:t>
+            </a:r>
+            <a:endParaRPr lang="en-US" dirty="0"/>
+          </a:p>
+        </p:txBody>
+      </p:sp>
+      <p:sp>
+        <p:nvSpPr>
+          <p:cNvPr id="3" name="Content Placeholder 2"/>
+          <p:cNvSpPr>
+            <a:spLocks noGrp="1"/>
+          </p:cNvSpPr>
+          <p:nvPr>
+            <p:ph idx="1"/>
+          </p:nvPr>
+        </p:nvSpPr>
+        <p:spPr>
+          <a:xfrm>
+            <a:off x="838200" y="1825625"/>
+            <a:ext cx="10515600" cy="671085"/>
+          </a:xfrm>
+        </p:spPr>
+        <p:txBody>
+          <a:bodyPr>
+            <a:normAutofit/>
+          </a:bodyPr>
+          <a:lstStyle/>
+          <a:p>
+            <a:r>
+              <a:rPr lang="en-US" sz="2200" dirty="0">
+                <a:latin typeface="Times New Roman" panose="02020603050405020304" pitchFamily="18" charset="0"/>
+                <a:cs typeface="Times New Roman" panose="02020603050405020304" pitchFamily="18" charset="0"/>
+              </a:rPr>
+              <a:t>Methodological Approach</a:t>
+            </a:r>
+            <a:endParaRPr lang="en-US" sz="2200" dirty="0">
+              <a:latin typeface="Times New Roman" panose="02020603050405020304" pitchFamily="18" charset="0"/>
+              <a:cs typeface="Times New Roman" panose="02020603050405020304" pitchFamily="18" charset="0"/>
+            </a:endParaRPr>
+          </a:p>
+        </p:txBody>
+      </p:sp>
+      <p:sp>
+        <p:nvSpPr>
+          <p:cNvPr id="4" name="Content Placeholder 2"/>
+          <p:cNvSpPr txBox="1">
+            <a:spLocks/>
+          </p:cNvSpPr>
+          <p:nvPr/>
+        </p:nvSpPr>
+        <p:spPr>
+          <a:xfrm>
+            <a:off x="838200" y="2631647"/>
+            <a:ext cx="10515600" cy="3729396"/>
+          </a:xfrm>
+          <a:prstGeom prst="rect">
+            <a:avLst/>
+          </a:prstGeom>
+        </p:spPr>
+        <p:txBody>
+          <a:bodyPr vert="horz" lIns="91440" tIns="45720" rIns="91440" bIns="45720" rtlCol="0">
+            <a:normAutofit/>
+          </a:bodyPr>
+          <a:lstStyle>
+            <a:lvl1pPr marL="228600" indent="-228600" algn="l" defTabSz="914400" rtl="0" eaLnBrk="1" latinLnBrk="0" hangingPunct="1">
+              <a:lnSpc>
+                <a:spcPct val="90000"/>
+              </a:lnSpc>
+              <a:spcBef>
+                <a:spcPts val="1000"/>
+              </a:spcBef>
+              <a:buFont typeface="Arial" panose="020B0604020202020204" pitchFamily="34" charset="0"/>
+              <a:buChar char="•"/>
+              <a:defRPr sz="2800" kern="1200">
+                <a:solidFill>
+                  <a:schemeClr val="tx1"/>
+                </a:solidFill>
+                <a:latin typeface="+mn-lt"/>
+                <a:ea typeface="+mn-ea"/>
+                <a:cs typeface="+mn-cs"/>
+              </a:defRPr>
+            </a:lvl1pPr>
+            <a:lvl2pPr marL="685800" indent="-228600" algn="l" defTabSz="914400" rtl="0" eaLnBrk="1" latinLnBrk="0" hangingPunct="1">
+              <a:lnSpc>
+                <a:spcPct val="90000"/>
+              </a:lnSpc>
+              <a:spcBef>
+                <a:spcPts val="500"/>
+              </a:spcBef>
+              <a:buFont typeface="Arial" panose="020B0604020202020204" pitchFamily="34" charset="0"/>
+              <a:buChar char="•"/>
+              <a:defRPr sz="2400" kern="1200">
+                <a:solidFill>
+                  <a:schemeClr val="tx1"/>
+                </a:solidFill>
+                <a:latin typeface="+mn-lt"/>
+                <a:ea typeface="+mn-ea"/>
+                <a:cs typeface="+mn-cs"/>
+              </a:defRPr>
+            </a:lvl2pPr>
+            <a:lvl3pPr marL="1143000" indent="-228600" algn="l" defTabSz="914400" rtl="0" eaLnBrk="1" latinLnBrk="0" hangingPunct="1">
+              <a:lnSpc>
+                <a:spcPct val="90000"/>
+              </a:lnSpc>
+              <a:spcBef>
+                <a:spcPts val="500"/>
+              </a:spcBef>
+              <a:buFont typeface="Arial" panose="020B0604020202020204" pitchFamily="34" charset="0"/>
+              <a:buChar char="•"/>
+              <a:defRPr sz="2000" kern="1200">
+                <a:solidFill>
+                  <a:schemeClr val="tx1"/>
+                </a:solidFill>
+                <a:latin typeface="+mn-lt"/>
+                <a:ea typeface="+mn-ea"/>
+                <a:cs typeface="+mn-cs"/>
+              </a:defRPr>
+            </a:lvl3pPr>
+            <a:lvl4pPr marL="1600200" indent="-228600" algn="l" defTabSz="914400" rtl="0" eaLnBrk="1" latinLnBrk="0" hangingPunct="1">
+              <a:lnSpc>
+                <a:spcPct val="90000"/>
+              </a:lnSpc>
+              <a:spcBef>
+                <a:spcPts val="500"/>
+              </a:spcBef>
+              <a:buFont typeface="Arial" panose="020B0604020202020204" pitchFamily="34" charset="0"/>
+              <a:buChar char="•"/>
+              <a:defRPr sz="1800" kern="1200">
+                <a:solidFill>
+                  <a:schemeClr val="tx1"/>
+                </a:solidFill>
+                <a:latin typeface="+mn-lt"/>
+                <a:ea typeface="+mn-ea"/>
+                <a:cs typeface="+mn-cs"/>
+              </a:defRPr>
+            </a:lvl4pPr>
+            <a:lvl5pPr marL="2057400" indent="-228600" algn="l" defTabSz="914400" rtl="0" eaLnBrk="1" latinLnBrk="0" hangingPunct="1">
+              <a:lnSpc>
+                <a:spcPct val="90000"/>
+              </a:lnSpc>
+              <a:spcBef>
+                <a:spcPts val="500"/>
+              </a:spcBef>
+              <a:buFont typeface="Arial" panose="020B0604020202020204" pitchFamily="34" charset="0"/>
+              <a:buChar char="•"/>
+              <a:defRPr sz="1800" kern="1200">
+                <a:solidFill>
+                  <a:schemeClr val="tx1"/>
+                </a:solidFill>
+                <a:latin typeface="+mn-lt"/>
+                <a:ea typeface="+mn-ea"/>
+                <a:cs typeface="+mn-cs"/>
+              </a:defRPr>
+            </a:lvl5pPr>
+            <a:lvl6pPr marL="2514600" indent="-228600" algn="l" defTabSz="914400" rtl="0" eaLnBrk="1" latinLnBrk="0" hangingPunct="1">
+              <a:lnSpc>
+                <a:spcPct val="90000"/>
+              </a:lnSpc>
+              <a:spcBef>
+                <a:spcPts val="500"/>
+              </a:spcBef>
+              <a:buFont typeface="Arial" panose="020B0604020202020204" pitchFamily="34" charset="0"/>
+              <a:buChar char="•"/>
+              <a:defRPr sz="1800" kern="1200">
+                <a:solidFill>
+                  <a:schemeClr val="tx1"/>
+                </a:solidFill>
+                <a:latin typeface="+mn-lt"/>
+                <a:ea typeface="+mn-ea"/>
+                <a:cs typeface="+mn-cs"/>
+              </a:defRPr>
+            </a:lvl6pPr>
+            <a:lvl7pPr marL="2971800" indent="-228600" algn="l" defTabSz="914400" rtl="0" eaLnBrk="1" latinLnBrk="0" hangingPunct="1">
+              <a:lnSpc>
+                <a:spcPct val="90000"/>
+              </a:lnSpc>
+              <a:spcBef>
+                <a:spcPts val="500"/>
+              </a:spcBef>
+              <a:buFont typeface="Arial" panose="020B0604020202020204" pitchFamily="34" charset="0"/>
+              <a:buChar char="•"/>
+              <a:defRPr sz="1800" kern="1200">
+                <a:solidFill>
+                  <a:schemeClr val="tx1"/>
+                </a:solidFill>
+                <a:latin typeface="+mn-lt"/>
+                <a:ea typeface="+mn-ea"/>
+                <a:cs typeface="+mn-cs"/>
+              </a:defRPr>
+            </a:lvl7pPr>
+            <a:lvl8pPr marL="3429000" indent="-228600" algn="l" defTabSz="914400" rtl="0" eaLnBrk="1" latinLnBrk="0" hangingPunct="1">
+              <a:lnSpc>
+                <a:spcPct val="90000"/>
+              </a:lnSpc>
+              <a:spcBef>
+                <a:spcPts val="500"/>
+              </a:spcBef>
+              <a:buFont typeface="Arial" panose="020B0604020202020204" pitchFamily="34" charset="0"/>
+              <a:buChar char="•"/>
+              <a:defRPr sz="1800" kern="1200">
+                <a:solidFill>
+                  <a:schemeClr val="tx1"/>
+                </a:solidFill>
+                <a:latin typeface="+mn-lt"/>
+                <a:ea typeface="+mn-ea"/>
+                <a:cs typeface="+mn-cs"/>
+              </a:defRPr>
+            </a:lvl8pPr>
+            <a:lvl9pPr marL="3886200" indent="-228600" algn="l" defTabSz="914400" rtl="0" eaLnBrk="1" latinLnBrk="0" hangingPunct="1">
+              <a:lnSpc>
+                <a:spcPct val="90000"/>
+              </a:lnSpc>
+              <a:spcBef>
+                <a:spcPts val="500"/>
+              </a:spcBef>
+              <a:buFont typeface="Arial" panose="020B0604020202020204" pitchFamily="34" charset="0"/>
+              <a:buChar char="•"/>
+              <a:defRPr sz="1800" kern="1200">
+                <a:solidFill>
+                  <a:schemeClr val="tx1"/>
+                </a:solidFill>
+                <a:latin typeface="+mn-lt"/>
+                <a:ea typeface="+mn-ea"/>
+                <a:cs typeface="+mn-cs"/>
+              </a:defRPr>
+            </a:lvl9pPr>
+          </a:lstStyle>
+          <a:p>
+            <a:r>
+              <a:rPr lang="en-US" sz="2200" dirty="0">
+                <a:latin typeface="Times New Roman" panose="02020603050405020304" pitchFamily="18" charset="0"/>
+                <a:cs typeface="Times New Roman" panose="02020603050405020304" pitchFamily="18" charset="0"/>
+              </a:rPr>
+              <a:t>Our methodology involves utilizing the T5 transformer model for the ABSA task with an instruction-based learning approach.</a:t>
+            </a:r>
+          </a:p>
+          <a:p>
+            <a:r>
+              <a:rPr lang="en-US" sz="2200" dirty="0">
+                <a:latin typeface="Times New Roman" panose="02020603050405020304" pitchFamily="18" charset="0"/>
+                <a:cs typeface="Times New Roman" panose="02020603050405020304" pitchFamily="18" charset="0"/>
+              </a:rPr>
+              <a:t>The dataset will be preprocessed and formatted according to the requirements of the T5 model.</a:t>
+            </a:r>
+          </a:p>
+          <a:p>
+            <a:r>
+              <a:rPr lang="en-US" sz="2200" dirty="0">
+                <a:latin typeface="Times New Roman" panose="02020603050405020304" pitchFamily="18" charset="0"/>
+                <a:cs typeface="Times New Roman" panose="02020603050405020304" pitchFamily="18" charset="0"/>
+              </a:rPr>
+              <a:t>Explicit instructions will be included in the input data to guide the model's predictions.</a:t>
+            </a:r>
+          </a:p>
+        </p:txBody>
+      </p:sp>
+    </p:spTree>
+    <p:extLst>
+      <p:ext uri="{BB962C8B-B14F-4D97-AF65-F5344CB8AC3E}">
+        <p14:creationId xmlns:p14="http://schemas.microsoft.com/office/powerpoint/2010/main" val="3850077646"/>
+      </p:ext>
+    </p:extLst>
+  </p:cSld>
+  <p:clrMapOvr>
+    <a:masterClrMapping/>
+  </p:clrMapOvr>
+</p:sld>
+</file>
+
+<file path=ppt/slides/slide11.xml><?xml version="1.0" encoding="utf-8"?>
+<p:sld xmlns:a="http://schemas.openxmlformats.org/drawingml/2006/main" xmlns:r="http://schemas.openxmlformats.org/officeDocument/2006/relationships" xmlns:p="http://schemas.openxmlformats.org/presentationml/2006/main">
+  <p:cSld>
+    <p:spTree>
+      <p:nvGrpSpPr>
+        <p:cNvPr id="1" name=""/>
+        <p:cNvGrpSpPr/>
+        <p:nvPr/>
+      </p:nvGrpSpPr>
+      <p:grpSpPr>
+        <a:xfrm>
+          <a:off x="0" y="0"/>
+          <a:ext cx="0" cy="0"/>
+          <a:chOff x="0" y="0"/>
+          <a:chExt cx="0" cy="0"/>
+        </a:xfrm>
+      </p:grpSpPr>
+      <p:sp>
+        <p:nvSpPr>
+          <p:cNvPr id="2" name="Title 1"/>
+          <p:cNvSpPr>
+            <a:spLocks noGrp="1"/>
+          </p:cNvSpPr>
+          <p:nvPr>
+            <p:ph type="title"/>
+          </p:nvPr>
+        </p:nvSpPr>
+        <p:spPr/>
+        <p:txBody>
+          <a:bodyPr/>
+          <a:lstStyle/>
+          <a:p>
+            <a:r>
+              <a:rPr lang="en-US" b="1" dirty="0"/>
+              <a:t>Data Preprocessing and Model Training</a:t>
+            </a:r>
+            <a:endParaRPr lang="en-US" dirty="0"/>
+          </a:p>
+        </p:txBody>
+      </p:sp>
+      <p:sp>
+        <p:nvSpPr>
+          <p:cNvPr id="3" name="Content Placeholder 2"/>
+          <p:cNvSpPr>
+            <a:spLocks noGrp="1"/>
+          </p:cNvSpPr>
+          <p:nvPr>
+            <p:ph idx="1"/>
+          </p:nvPr>
+        </p:nvSpPr>
+        <p:spPr>
+          <a:xfrm>
+            <a:off x="838200" y="1825625"/>
+            <a:ext cx="10515600" cy="607474"/>
+          </a:xfrm>
+        </p:spPr>
+        <p:txBody>
+          <a:bodyPr/>
+          <a:lstStyle/>
+          <a:p>
+            <a:r>
+              <a:rPr lang="en-US" dirty="0"/>
+              <a:t>Preprocessing and Training Process</a:t>
+            </a:r>
+            <a:endParaRPr lang="en-US" dirty="0"/>
+          </a:p>
+        </p:txBody>
+      </p:sp>
+      <p:sp>
+        <p:nvSpPr>
+          <p:cNvPr id="4" name="Content Placeholder 2"/>
+          <p:cNvSpPr txBox="1">
+            <a:spLocks/>
+          </p:cNvSpPr>
+          <p:nvPr/>
+        </p:nvSpPr>
+        <p:spPr>
+          <a:xfrm>
+            <a:off x="838200" y="2433098"/>
+            <a:ext cx="10515600" cy="3601941"/>
+          </a:xfrm>
+          <a:prstGeom prst="rect">
+            <a:avLst/>
+          </a:prstGeom>
+        </p:spPr>
+        <p:txBody>
+          <a:bodyPr vert="horz" lIns="91440" tIns="45720" rIns="91440" bIns="45720" rtlCol="0">
+            <a:normAutofit/>
+          </a:bodyPr>
+          <a:lstStyle>
+            <a:lvl1pPr marL="228600" indent="-228600" algn="l" defTabSz="914400" rtl="0" eaLnBrk="1" latinLnBrk="0" hangingPunct="1">
+              <a:lnSpc>
+                <a:spcPct val="90000"/>
+              </a:lnSpc>
+              <a:spcBef>
+                <a:spcPts val="1000"/>
+              </a:spcBef>
+              <a:buFont typeface="Arial" panose="020B0604020202020204" pitchFamily="34" charset="0"/>
+              <a:buChar char="•"/>
+              <a:defRPr sz="2800" kern="1200">
+                <a:solidFill>
+                  <a:schemeClr val="tx1"/>
+                </a:solidFill>
+                <a:latin typeface="+mn-lt"/>
+                <a:ea typeface="+mn-ea"/>
+                <a:cs typeface="+mn-cs"/>
+              </a:defRPr>
+            </a:lvl1pPr>
+            <a:lvl2pPr marL="685800" indent="-228600" algn="l" defTabSz="914400" rtl="0" eaLnBrk="1" latinLnBrk="0" hangingPunct="1">
+              <a:lnSpc>
+                <a:spcPct val="90000"/>
+              </a:lnSpc>
+              <a:spcBef>
+                <a:spcPts val="500"/>
+              </a:spcBef>
+              <a:buFont typeface="Arial" panose="020B0604020202020204" pitchFamily="34" charset="0"/>
+              <a:buChar char="•"/>
+              <a:defRPr sz="2400" kern="1200">
+                <a:solidFill>
+                  <a:schemeClr val="tx1"/>
+                </a:solidFill>
+                <a:latin typeface="+mn-lt"/>
+                <a:ea typeface="+mn-ea"/>
+                <a:cs typeface="+mn-cs"/>
+              </a:defRPr>
+            </a:lvl2pPr>
+            <a:lvl3pPr marL="1143000" indent="-228600" algn="l" defTabSz="914400" rtl="0" eaLnBrk="1" latinLnBrk="0" hangingPunct="1">
+              <a:lnSpc>
+                <a:spcPct val="90000"/>
+              </a:lnSpc>
+              <a:spcBef>
+                <a:spcPts val="500"/>
+              </a:spcBef>
+              <a:buFont typeface="Arial" panose="020B0604020202020204" pitchFamily="34" charset="0"/>
+              <a:buChar char="•"/>
+              <a:defRPr sz="2000" kern="1200">
+                <a:solidFill>
+                  <a:schemeClr val="tx1"/>
+                </a:solidFill>
+                <a:latin typeface="+mn-lt"/>
+                <a:ea typeface="+mn-ea"/>
+                <a:cs typeface="+mn-cs"/>
+              </a:defRPr>
+            </a:lvl3pPr>
+            <a:lvl4pPr marL="1600200" indent="-228600" algn="l" defTabSz="914400" rtl="0" eaLnBrk="1" latinLnBrk="0" hangingPunct="1">
+              <a:lnSpc>
+                <a:spcPct val="90000"/>
+              </a:lnSpc>
+              <a:spcBef>
+                <a:spcPts val="500"/>
+              </a:spcBef>
+              <a:buFont typeface="Arial" panose="020B0604020202020204" pitchFamily="34" charset="0"/>
+              <a:buChar char="•"/>
+              <a:defRPr sz="1800" kern="1200">
+                <a:solidFill>
+                  <a:schemeClr val="tx1"/>
+                </a:solidFill>
+                <a:latin typeface="+mn-lt"/>
+                <a:ea typeface="+mn-ea"/>
+                <a:cs typeface="+mn-cs"/>
+              </a:defRPr>
+            </a:lvl4pPr>
+            <a:lvl5pPr marL="2057400" indent="-228600" algn="l" defTabSz="914400" rtl="0" eaLnBrk="1" latinLnBrk="0" hangingPunct="1">
+              <a:lnSpc>
+                <a:spcPct val="90000"/>
+              </a:lnSpc>
+              <a:spcBef>
+                <a:spcPts val="500"/>
+              </a:spcBef>
+              <a:buFont typeface="Arial" panose="020B0604020202020204" pitchFamily="34" charset="0"/>
+              <a:buChar char="•"/>
+              <a:defRPr sz="1800" kern="1200">
+                <a:solidFill>
+                  <a:schemeClr val="tx1"/>
+                </a:solidFill>
+                <a:latin typeface="+mn-lt"/>
+                <a:ea typeface="+mn-ea"/>
+                <a:cs typeface="+mn-cs"/>
+              </a:defRPr>
+            </a:lvl5pPr>
+            <a:lvl6pPr marL="2514600" indent="-228600" algn="l" defTabSz="914400" rtl="0" eaLnBrk="1" latinLnBrk="0" hangingPunct="1">
+              <a:lnSpc>
+                <a:spcPct val="90000"/>
+              </a:lnSpc>
+              <a:spcBef>
+                <a:spcPts val="500"/>
+              </a:spcBef>
+              <a:buFont typeface="Arial" panose="020B0604020202020204" pitchFamily="34" charset="0"/>
+              <a:buChar char="•"/>
+              <a:defRPr sz="1800" kern="1200">
+                <a:solidFill>
+                  <a:schemeClr val="tx1"/>
+                </a:solidFill>
+                <a:latin typeface="+mn-lt"/>
+                <a:ea typeface="+mn-ea"/>
+                <a:cs typeface="+mn-cs"/>
+              </a:defRPr>
+            </a:lvl6pPr>
+            <a:lvl7pPr marL="2971800" indent="-228600" algn="l" defTabSz="914400" rtl="0" eaLnBrk="1" latinLnBrk="0" hangingPunct="1">
+              <a:lnSpc>
+                <a:spcPct val="90000"/>
+              </a:lnSpc>
+              <a:spcBef>
+                <a:spcPts val="500"/>
+              </a:spcBef>
+              <a:buFont typeface="Arial" panose="020B0604020202020204" pitchFamily="34" charset="0"/>
+              <a:buChar char="•"/>
+              <a:defRPr sz="1800" kern="1200">
+                <a:solidFill>
+                  <a:schemeClr val="tx1"/>
+                </a:solidFill>
+                <a:latin typeface="+mn-lt"/>
+                <a:ea typeface="+mn-ea"/>
+                <a:cs typeface="+mn-cs"/>
+              </a:defRPr>
+            </a:lvl7pPr>
+            <a:lvl8pPr marL="3429000" indent="-228600" algn="l" defTabSz="914400" rtl="0" eaLnBrk="1" latinLnBrk="0" hangingPunct="1">
+              <a:lnSpc>
+                <a:spcPct val="90000"/>
+              </a:lnSpc>
+              <a:spcBef>
+                <a:spcPts val="500"/>
+              </a:spcBef>
+              <a:buFont typeface="Arial" panose="020B0604020202020204" pitchFamily="34" charset="0"/>
+              <a:buChar char="•"/>
+              <a:defRPr sz="1800" kern="1200">
+                <a:solidFill>
+                  <a:schemeClr val="tx1"/>
+                </a:solidFill>
+                <a:latin typeface="+mn-lt"/>
+                <a:ea typeface="+mn-ea"/>
+                <a:cs typeface="+mn-cs"/>
+              </a:defRPr>
+            </a:lvl8pPr>
+            <a:lvl9pPr marL="3886200" indent="-228600" algn="l" defTabSz="914400" rtl="0" eaLnBrk="1" latinLnBrk="0" hangingPunct="1">
+              <a:lnSpc>
+                <a:spcPct val="90000"/>
+              </a:lnSpc>
+              <a:spcBef>
+                <a:spcPts val="500"/>
+              </a:spcBef>
+              <a:buFont typeface="Arial" panose="020B0604020202020204" pitchFamily="34" charset="0"/>
+              <a:buChar char="•"/>
+              <a:defRPr sz="1800" kern="1200">
+                <a:solidFill>
+                  <a:schemeClr val="tx1"/>
+                </a:solidFill>
+                <a:latin typeface="+mn-lt"/>
+                <a:ea typeface="+mn-ea"/>
+                <a:cs typeface="+mn-cs"/>
+              </a:defRPr>
+            </a:lvl9pPr>
+          </a:lstStyle>
+          <a:p>
+            <a:r>
+              <a:rPr lang="en-US" sz="2200" b="1" dirty="0">
+                <a:latin typeface="Times New Roman" panose="02020603050405020304" pitchFamily="18" charset="0"/>
+                <a:cs typeface="Times New Roman" panose="02020603050405020304" pitchFamily="18" charset="0"/>
+              </a:rPr>
+              <a:t>Data Preprocessing</a:t>
+            </a:r>
+            <a:r>
+              <a:rPr lang="en-US" sz="2200" dirty="0">
+                <a:latin typeface="Times New Roman" panose="02020603050405020304" pitchFamily="18" charset="0"/>
+                <a:cs typeface="Times New Roman" panose="02020603050405020304" pitchFamily="18" charset="0"/>
+              </a:rPr>
+              <a:t>: We'll prepare the text data by cleaning and tokenizing. We'll also include explicit instructions for the task.</a:t>
+            </a:r>
+          </a:p>
+          <a:p>
+            <a:r>
+              <a:rPr lang="en-US" sz="2200" b="1" dirty="0">
+                <a:latin typeface="Times New Roman" panose="02020603050405020304" pitchFamily="18" charset="0"/>
+                <a:cs typeface="Times New Roman" panose="02020603050405020304" pitchFamily="18" charset="0"/>
+              </a:rPr>
+              <a:t>Model Training</a:t>
+            </a:r>
+            <a:r>
+              <a:rPr lang="en-US" sz="2200" dirty="0">
+                <a:latin typeface="Times New Roman" panose="02020603050405020304" pitchFamily="18" charset="0"/>
+                <a:cs typeface="Times New Roman" panose="02020603050405020304" pitchFamily="18" charset="0"/>
+              </a:rPr>
+              <a:t>: The T5 model will be trained on the prepared dataset. During training, the model learns to follow the instructions and perform ABSA.</a:t>
+            </a:r>
+          </a:p>
+        </p:txBody>
+      </p:sp>
+    </p:spTree>
+    <p:extLst>
+      <p:ext uri="{BB962C8B-B14F-4D97-AF65-F5344CB8AC3E}">
+        <p14:creationId xmlns:p14="http://schemas.microsoft.com/office/powerpoint/2010/main" val="4025971133"/>
+      </p:ext>
+    </p:extLst>
+  </p:cSld>
+  <p:clrMapOvr>
+    <a:masterClrMapping/>
+  </p:clrMapOvr>
+</p:sld>
+</file>
+
+<file path=ppt/slides/slide12.xml><?xml version="1.0" encoding="utf-8"?>
+<p:sld xmlns:a="http://schemas.openxmlformats.org/drawingml/2006/main" xmlns:r="http://schemas.openxmlformats.org/officeDocument/2006/relationships" xmlns:p="http://schemas.openxmlformats.org/presentationml/2006/main">
+  <p:cSld>
+    <p:spTree>
+      <p:nvGrpSpPr>
+        <p:cNvPr id="1" name=""/>
+        <p:cNvGrpSpPr/>
+        <p:nvPr/>
+      </p:nvGrpSpPr>
+      <p:grpSpPr>
+        <a:xfrm>
+          <a:off x="0" y="0"/>
+          <a:ext cx="0" cy="0"/>
+          <a:chOff x="0" y="0"/>
+          <a:chExt cx="0" cy="0"/>
+        </a:xfrm>
+      </p:grpSpPr>
+      <p:sp>
+        <p:nvSpPr>
+          <p:cNvPr id="2" name="Title 1"/>
+          <p:cNvSpPr>
+            <a:spLocks noGrp="1"/>
+          </p:cNvSpPr>
+          <p:nvPr>
+            <p:ph type="title"/>
+          </p:nvPr>
+        </p:nvSpPr>
+        <p:spPr/>
+        <p:txBody>
+          <a:bodyPr/>
+          <a:lstStyle/>
+          <a:p>
+            <a:r>
+              <a:rPr lang="en-US" b="1" dirty="0"/>
+              <a:t>Model Evaluation and Analysis</a:t>
+            </a:r>
+            <a:endParaRPr lang="en-US" dirty="0"/>
+          </a:p>
+        </p:txBody>
+      </p:sp>
+      <p:sp>
+        <p:nvSpPr>
+          <p:cNvPr id="3" name="Content Placeholder 2"/>
+          <p:cNvSpPr>
+            <a:spLocks noGrp="1"/>
+          </p:cNvSpPr>
+          <p:nvPr>
+            <p:ph idx="1"/>
+          </p:nvPr>
+        </p:nvSpPr>
+        <p:spPr/>
+        <p:txBody>
+          <a:bodyPr/>
+          <a:lstStyle/>
+          <a:p>
+            <a:r>
+              <a:rPr lang="en-US" sz="2200" b="1" dirty="0">
+                <a:latin typeface="Times New Roman" panose="02020603050405020304" pitchFamily="18" charset="0"/>
+                <a:cs typeface="Times New Roman" panose="02020603050405020304" pitchFamily="18" charset="0"/>
+              </a:rPr>
+              <a:t>Model Evaluation</a:t>
+            </a:r>
+            <a:r>
+              <a:rPr lang="en-US" sz="2200" dirty="0">
+                <a:latin typeface="Times New Roman" panose="02020603050405020304" pitchFamily="18" charset="0"/>
+                <a:cs typeface="Times New Roman" panose="02020603050405020304" pitchFamily="18" charset="0"/>
+              </a:rPr>
+              <a:t>: The model's performance will be evaluated using appropriate metrics such as Accuracy, Precision, Recall, and F1 Score. We'll also consider aspect-level evaluation metrics.</a:t>
+            </a:r>
+          </a:p>
+          <a:p>
+            <a:r>
+              <a:rPr lang="en-US" sz="2200" b="1" dirty="0">
+                <a:latin typeface="Times New Roman" panose="02020603050405020304" pitchFamily="18" charset="0"/>
+                <a:cs typeface="Times New Roman" panose="02020603050405020304" pitchFamily="18" charset="0"/>
+              </a:rPr>
+              <a:t>Result Analysis</a:t>
+            </a:r>
+            <a:r>
+              <a:rPr lang="en-US" sz="2200" dirty="0">
+                <a:latin typeface="Times New Roman" panose="02020603050405020304" pitchFamily="18" charset="0"/>
+                <a:cs typeface="Times New Roman" panose="02020603050405020304" pitchFamily="18" charset="0"/>
+              </a:rPr>
+              <a:t>: We'll perform a detailed analysis of the results, focusing on cases where the model performed exceptionally well and areas where it struggled. This will include analysis of the model's performance on different aspects and its adherence to the provided instructions.</a:t>
+            </a:r>
+          </a:p>
+          <a:p>
+            <a:endParaRPr lang="en-US" dirty="0"/>
+          </a:p>
+        </p:txBody>
+      </p:sp>
+    </p:spTree>
+    <p:extLst>
+      <p:ext uri="{BB962C8B-B14F-4D97-AF65-F5344CB8AC3E}">
+        <p14:creationId xmlns:p14="http://schemas.microsoft.com/office/powerpoint/2010/main" val="2362700473"/>
+      </p:ext>
+    </p:extLst>
+  </p:cSld>
+  <p:clrMapOvr>
+    <a:masterClrMapping/>
+  </p:clrMapOvr>
+</p:sld>
+</file>
+
+<file path=ppt/slides/slide13.xml><?xml version="1.0" encoding="utf-8"?>
+<p:sld xmlns:a="http://schemas.openxmlformats.org/drawingml/2006/main" xmlns:r="http://schemas.openxmlformats.org/officeDocument/2006/relationships" xmlns:p="http://schemas.openxmlformats.org/presentationml/2006/main">
+  <p:cSld>
+    <p:spTree>
+      <p:nvGrpSpPr>
+        <p:cNvPr id="1" name=""/>
+        <p:cNvGrpSpPr/>
+        <p:nvPr/>
+      </p:nvGrpSpPr>
+      <p:grpSpPr>
+        <a:xfrm>
+          <a:off x="0" y="0"/>
+          <a:ext cx="0" cy="0"/>
+          <a:chOff x="0" y="0"/>
+          <a:chExt cx="0" cy="0"/>
+        </a:xfrm>
+      </p:grpSpPr>
+      <p:sp>
+        <p:nvSpPr>
+          <p:cNvPr id="2" name="Title 1"/>
+          <p:cNvSpPr>
+            <a:spLocks noGrp="1"/>
+          </p:cNvSpPr>
+          <p:nvPr>
+            <p:ph type="title"/>
+          </p:nvPr>
+        </p:nvSpPr>
+        <p:spPr/>
+        <p:txBody>
+          <a:bodyPr/>
+          <a:lstStyle/>
+          <a:p>
+            <a:r>
+              <a:rPr lang="en-US" dirty="0"/>
+              <a:t>Results &amp; Discussion</a:t>
+            </a:r>
+            <a:endParaRPr lang="en-US" dirty="0"/>
+          </a:p>
+        </p:txBody>
+      </p:sp>
+      <p:graphicFrame>
+        <p:nvGraphicFramePr>
+          <p:cNvPr id="4" name="Content Placeholder 3"/>
+          <p:cNvGraphicFramePr>
+            <a:graphicFrameLocks noGrp="1"/>
+          </p:cNvGraphicFramePr>
+          <p:nvPr>
+            <p:ph idx="1"/>
+            <p:extLst>
+              <p:ext uri="{D42A27DB-BD31-4B8C-83A1-F6EECF244321}">
+                <p14:modId xmlns:p14="http://schemas.microsoft.com/office/powerpoint/2010/main" val="3537126915"/>
+              </p:ext>
+            </p:extLst>
+          </p:nvPr>
+        </p:nvGraphicFramePr>
+        <p:xfrm>
+          <a:off x="1924217" y="3018556"/>
+          <a:ext cx="6114551" cy="2571210"/>
+        </p:xfrm>
+        <a:graphic>
+          <a:graphicData uri="http://schemas.openxmlformats.org/drawingml/2006/table">
+            <a:tbl>
+              <a:tblPr firstRow="1" firstCol="1">
+                <a:tableStyleId>{5C22544A-7EE6-4342-B048-85BDC9FD1C3A}</a:tableStyleId>
+              </a:tblPr>
+              <a:tblGrid>
+                <a:gridCol w="1240381">
+                  <a:extLst>
+                    <a:ext uri="{9D8B030D-6E8A-4147-A177-3AD203B41FA5}">
+                      <a16:colId xmlns:a16="http://schemas.microsoft.com/office/drawing/2014/main" val="3348726360"/>
+                    </a:ext>
+                  </a:extLst>
+                </a:gridCol>
+                <a:gridCol w="1118089">
+                  <a:extLst>
+                    <a:ext uri="{9D8B030D-6E8A-4147-A177-3AD203B41FA5}">
+                      <a16:colId xmlns:a16="http://schemas.microsoft.com/office/drawing/2014/main" val="1109607103"/>
+                    </a:ext>
+                  </a:extLst>
+                </a:gridCol>
+                <a:gridCol w="1118089">
+                  <a:extLst>
+                    <a:ext uri="{9D8B030D-6E8A-4147-A177-3AD203B41FA5}">
+                      <a16:colId xmlns:a16="http://schemas.microsoft.com/office/drawing/2014/main" val="2458527967"/>
+                    </a:ext>
+                  </a:extLst>
+                </a:gridCol>
+                <a:gridCol w="1118089">
+                  <a:extLst>
+                    <a:ext uri="{9D8B030D-6E8A-4147-A177-3AD203B41FA5}">
+                      <a16:colId xmlns:a16="http://schemas.microsoft.com/office/drawing/2014/main" val="3252642509"/>
+                    </a:ext>
+                  </a:extLst>
+                </a:gridCol>
+                <a:gridCol w="1519903">
+                  <a:extLst>
+                    <a:ext uri="{9D8B030D-6E8A-4147-A177-3AD203B41FA5}">
+                      <a16:colId xmlns:a16="http://schemas.microsoft.com/office/drawing/2014/main" val="4041882465"/>
+                    </a:ext>
+                  </a:extLst>
+                </a:gridCol>
+              </a:tblGrid>
+              <a:tr h="439523">
+                <a:tc>
+                  <a:txBody>
+                    <a:bodyPr/>
+                    <a:lstStyle/>
+                    <a:p>
+                      <a:pPr marL="0" marR="0" algn="ctr">
+                        <a:lnSpc>
+                          <a:spcPct val="107000"/>
+                        </a:lnSpc>
+                        <a:spcBef>
+                          <a:spcPts val="0"/>
+                        </a:spcBef>
+                        <a:spcAft>
+                          <a:spcPts val="800"/>
+                        </a:spcAft>
+                      </a:pPr>
+                      <a:r>
+                        <a:rPr lang="en-US" sz="1100">
+                          <a:effectLst/>
+                        </a:rPr>
+                        <a:t>Model</a:t>
+                      </a:r>
+                      <a:endParaRPr lang="en-US" sz="1200">
+                        <a:effectLst/>
+                        <a:latin typeface="Times New Roman" panose="02020603050405020304" pitchFamily="18" charset="0"/>
+                        <a:ea typeface="Calibri" panose="020F0502020204030204" pitchFamily="34" charset="0"/>
+                        <a:cs typeface="Arial" panose="020B0604020202020204" pitchFamily="34" charset="0"/>
+                      </a:endParaRPr>
+                    </a:p>
+                  </a:txBody>
+                  <a:tcPr marL="9525" marR="9525" marT="9525" marB="0" anchor="b"/>
+                </a:tc>
+                <a:tc>
+                  <a:txBody>
+                    <a:bodyPr/>
+                    <a:lstStyle/>
+                    <a:p>
+                      <a:pPr marL="0" marR="0" algn="ctr">
+                        <a:lnSpc>
+                          <a:spcPct val="107000"/>
+                        </a:lnSpc>
+                        <a:spcBef>
+                          <a:spcPts val="0"/>
+                        </a:spcBef>
+                        <a:spcAft>
+                          <a:spcPts val="800"/>
+                        </a:spcAft>
+                      </a:pPr>
+                      <a:r>
+                        <a:rPr lang="en-US" sz="1100">
+                          <a:effectLst/>
+                        </a:rPr>
+                        <a:t>Lapt14</a:t>
+                      </a:r>
+                      <a:endParaRPr lang="en-US" sz="1200">
+                        <a:effectLst/>
+                        <a:latin typeface="Times New Roman" panose="02020603050405020304" pitchFamily="18" charset="0"/>
+                        <a:ea typeface="Calibri" panose="020F0502020204030204" pitchFamily="34" charset="0"/>
+                        <a:cs typeface="Arial" panose="020B0604020202020204" pitchFamily="34" charset="0"/>
+                      </a:endParaRPr>
+                    </a:p>
+                  </a:txBody>
+                  <a:tcPr marL="9525" marR="9525" marT="9525" marB="0" anchor="b"/>
+                </a:tc>
+                <a:tc>
+                  <a:txBody>
+                    <a:bodyPr/>
+                    <a:lstStyle/>
+                    <a:p>
+                      <a:pPr marL="0" marR="0" algn="ctr">
+                        <a:lnSpc>
+                          <a:spcPct val="107000"/>
+                        </a:lnSpc>
+                        <a:spcBef>
+                          <a:spcPts val="0"/>
+                        </a:spcBef>
+                        <a:spcAft>
+                          <a:spcPts val="800"/>
+                        </a:spcAft>
+                      </a:pPr>
+                      <a:r>
+                        <a:rPr lang="en-US" sz="1100">
+                          <a:effectLst/>
+                        </a:rPr>
+                        <a:t>Rest14</a:t>
+                      </a:r>
+                      <a:endParaRPr lang="en-US" sz="1200">
+                        <a:effectLst/>
+                        <a:latin typeface="Times New Roman" panose="02020603050405020304" pitchFamily="18" charset="0"/>
+                        <a:ea typeface="Calibri" panose="020F0502020204030204" pitchFamily="34" charset="0"/>
+                        <a:cs typeface="Arial" panose="020B0604020202020204" pitchFamily="34" charset="0"/>
+                      </a:endParaRPr>
+                    </a:p>
+                  </a:txBody>
+                  <a:tcPr marL="9525" marR="9525" marT="9525" marB="0" anchor="b"/>
+                </a:tc>
+                <a:tc>
+                  <a:txBody>
+                    <a:bodyPr/>
+                    <a:lstStyle/>
+                    <a:p>
+                      <a:pPr marL="0" marR="0" algn="ctr">
+                        <a:lnSpc>
+                          <a:spcPct val="107000"/>
+                        </a:lnSpc>
+                        <a:spcBef>
+                          <a:spcPts val="0"/>
+                        </a:spcBef>
+                        <a:spcAft>
+                          <a:spcPts val="800"/>
+                        </a:spcAft>
+                      </a:pPr>
+                      <a:r>
+                        <a:rPr lang="en-US" sz="1100">
+                          <a:effectLst/>
+                        </a:rPr>
+                        <a:t>Rest15</a:t>
+                      </a:r>
+                      <a:endParaRPr lang="en-US" sz="1200">
+                        <a:effectLst/>
+                        <a:latin typeface="Times New Roman" panose="02020603050405020304" pitchFamily="18" charset="0"/>
+                        <a:ea typeface="Calibri" panose="020F0502020204030204" pitchFamily="34" charset="0"/>
+                        <a:cs typeface="Arial" panose="020B0604020202020204" pitchFamily="34" charset="0"/>
+                      </a:endParaRPr>
+                    </a:p>
+                  </a:txBody>
+                  <a:tcPr marL="9525" marR="9525" marT="9525" marB="0" anchor="b"/>
+                </a:tc>
+                <a:tc>
+                  <a:txBody>
+                    <a:bodyPr/>
+                    <a:lstStyle/>
+                    <a:p>
+                      <a:pPr marL="0" marR="0" algn="ctr">
+                        <a:lnSpc>
+                          <a:spcPct val="107000"/>
+                        </a:lnSpc>
+                        <a:spcBef>
+                          <a:spcPts val="0"/>
+                        </a:spcBef>
+                        <a:spcAft>
+                          <a:spcPts val="800"/>
+                        </a:spcAft>
+                      </a:pPr>
+                      <a:r>
+                        <a:rPr lang="en-US" sz="1100">
+                          <a:effectLst/>
+                        </a:rPr>
+                        <a:t>Rest16</a:t>
+                      </a:r>
+                      <a:endParaRPr lang="en-US" sz="1200">
+                        <a:effectLst/>
+                        <a:latin typeface="Times New Roman" panose="02020603050405020304" pitchFamily="18" charset="0"/>
+                        <a:ea typeface="Calibri" panose="020F0502020204030204" pitchFamily="34" charset="0"/>
+                        <a:cs typeface="Arial" panose="020B0604020202020204" pitchFamily="34" charset="0"/>
+                      </a:endParaRPr>
+                    </a:p>
+                  </a:txBody>
+                  <a:tcPr marL="9525" marR="9525" marT="9525" marB="0" anchor="b"/>
+                </a:tc>
+                <a:extLst>
+                  <a:ext uri="{0D108BD9-81ED-4DB2-BD59-A6C34878D82A}">
+                    <a16:rowId xmlns:a16="http://schemas.microsoft.com/office/drawing/2014/main" val="26954882"/>
+                  </a:ext>
+                </a:extLst>
+              </a:tr>
+              <a:tr h="417547">
+                <a:tc>
+                  <a:txBody>
+                    <a:bodyPr/>
+                    <a:lstStyle/>
+                    <a:p>
+                      <a:pPr marL="0" marR="0" algn="ctr">
+                        <a:lnSpc>
+                          <a:spcPct val="107000"/>
+                        </a:lnSpc>
+                        <a:spcBef>
+                          <a:spcPts val="0"/>
+                        </a:spcBef>
+                        <a:spcAft>
+                          <a:spcPts val="800"/>
+                        </a:spcAft>
+                      </a:pPr>
+                      <a:r>
+                        <a:rPr lang="en-US" sz="1100">
+                          <a:effectLst/>
+                        </a:rPr>
+                        <a:t>GPT2med</a:t>
+                      </a:r>
+                      <a:endParaRPr lang="en-US" sz="1200">
+                        <a:effectLst/>
+                        <a:latin typeface="Times New Roman" panose="02020603050405020304" pitchFamily="18" charset="0"/>
+                        <a:ea typeface="Calibri" panose="020F0502020204030204" pitchFamily="34" charset="0"/>
+                        <a:cs typeface="Arial" panose="020B0604020202020204" pitchFamily="34" charset="0"/>
+                      </a:endParaRPr>
+                    </a:p>
+                  </a:txBody>
+                  <a:tcPr marL="9525" marR="9525" marT="9525" marB="0" anchor="b"/>
+                </a:tc>
+                <a:tc>
+                  <a:txBody>
+                    <a:bodyPr/>
+                    <a:lstStyle/>
+                    <a:p>
+                      <a:pPr marL="0" marR="0" algn="ctr">
+                        <a:lnSpc>
+                          <a:spcPct val="107000"/>
+                        </a:lnSpc>
+                        <a:spcBef>
+                          <a:spcPts val="0"/>
+                        </a:spcBef>
+                        <a:spcAft>
+                          <a:spcPts val="800"/>
+                        </a:spcAft>
+                      </a:pPr>
+                      <a:r>
+                        <a:rPr lang="en-US" sz="1100">
+                          <a:effectLst/>
+                        </a:rPr>
+                        <a:t>82.04</a:t>
+                      </a:r>
+                      <a:endParaRPr lang="en-US" sz="1200">
+                        <a:effectLst/>
+                        <a:latin typeface="Times New Roman" panose="02020603050405020304" pitchFamily="18" charset="0"/>
+                        <a:ea typeface="Calibri" panose="020F0502020204030204" pitchFamily="34" charset="0"/>
+                        <a:cs typeface="Arial" panose="020B0604020202020204" pitchFamily="34" charset="0"/>
+                      </a:endParaRPr>
+                    </a:p>
+                  </a:txBody>
+                  <a:tcPr marL="9525" marR="9525" marT="9525" marB="0" anchor="b"/>
+                </a:tc>
+                <a:tc>
+                  <a:txBody>
+                    <a:bodyPr/>
+                    <a:lstStyle/>
+                    <a:p>
+                      <a:pPr marL="0" marR="0" algn="ctr">
+                        <a:lnSpc>
+                          <a:spcPct val="107000"/>
+                        </a:lnSpc>
+                        <a:spcBef>
+                          <a:spcPts val="0"/>
+                        </a:spcBef>
+                        <a:spcAft>
+                          <a:spcPts val="800"/>
+                        </a:spcAft>
+                      </a:pPr>
+                      <a:r>
+                        <a:rPr lang="en-US" sz="1100">
+                          <a:effectLst/>
+                        </a:rPr>
+                        <a:t>75.94</a:t>
+                      </a:r>
+                      <a:endParaRPr lang="en-US" sz="1200">
+                        <a:effectLst/>
+                        <a:latin typeface="Times New Roman" panose="02020603050405020304" pitchFamily="18" charset="0"/>
+                        <a:ea typeface="Calibri" panose="020F0502020204030204" pitchFamily="34" charset="0"/>
+                        <a:cs typeface="Arial" panose="020B0604020202020204" pitchFamily="34" charset="0"/>
+                      </a:endParaRPr>
+                    </a:p>
+                  </a:txBody>
+                  <a:tcPr marL="9525" marR="9525" marT="9525" marB="0" anchor="b"/>
+                </a:tc>
+                <a:tc>
+                  <a:txBody>
+                    <a:bodyPr/>
+                    <a:lstStyle/>
+                    <a:p>
+                      <a:pPr marL="0" marR="0" algn="ctr">
+                        <a:lnSpc>
+                          <a:spcPct val="107000"/>
+                        </a:lnSpc>
+                        <a:spcBef>
+                          <a:spcPts val="0"/>
+                        </a:spcBef>
+                        <a:spcAft>
+                          <a:spcPts val="800"/>
+                        </a:spcAft>
+                      </a:pPr>
+                      <a:r>
+                        <a:rPr lang="en-US" sz="1100">
+                          <a:effectLst/>
+                        </a:rPr>
+                        <a:t>NA</a:t>
+                      </a:r>
+                      <a:endParaRPr lang="en-US" sz="1200">
+                        <a:effectLst/>
+                        <a:latin typeface="Times New Roman" panose="02020603050405020304" pitchFamily="18" charset="0"/>
+                        <a:ea typeface="Calibri" panose="020F0502020204030204" pitchFamily="34" charset="0"/>
+                        <a:cs typeface="Arial" panose="020B0604020202020204" pitchFamily="34" charset="0"/>
+                      </a:endParaRPr>
+                    </a:p>
+                  </a:txBody>
+                  <a:tcPr marL="9525" marR="9525" marT="9525" marB="0" anchor="b"/>
+                </a:tc>
+                <a:tc>
+                  <a:txBody>
+                    <a:bodyPr/>
+                    <a:lstStyle/>
+                    <a:p>
+                      <a:pPr marL="0" marR="0" algn="ctr">
+                        <a:lnSpc>
+                          <a:spcPct val="107000"/>
+                        </a:lnSpc>
+                        <a:spcBef>
+                          <a:spcPts val="0"/>
+                        </a:spcBef>
+                        <a:spcAft>
+                          <a:spcPts val="800"/>
+                        </a:spcAft>
+                      </a:pPr>
+                      <a:r>
+                        <a:rPr lang="en-US" sz="1100">
+                          <a:effectLst/>
+                        </a:rPr>
+                        <a:t>NA</a:t>
+                      </a:r>
+                      <a:endParaRPr lang="en-US" sz="1200">
+                        <a:effectLst/>
+                        <a:latin typeface="Times New Roman" panose="02020603050405020304" pitchFamily="18" charset="0"/>
+                        <a:ea typeface="Calibri" panose="020F0502020204030204" pitchFamily="34" charset="0"/>
+                        <a:cs typeface="Arial" panose="020B0604020202020204" pitchFamily="34" charset="0"/>
+                      </a:endParaRPr>
+                    </a:p>
+                  </a:txBody>
+                  <a:tcPr marL="9525" marR="9525" marT="9525" marB="0" anchor="b"/>
+                </a:tc>
+                <a:extLst>
+                  <a:ext uri="{0D108BD9-81ED-4DB2-BD59-A6C34878D82A}">
+                    <a16:rowId xmlns:a16="http://schemas.microsoft.com/office/drawing/2014/main" val="2184292104"/>
+                  </a:ext>
+                </a:extLst>
+              </a:tr>
+              <a:tr h="417547">
+                <a:tc>
+                  <a:txBody>
+                    <a:bodyPr/>
+                    <a:lstStyle/>
+                    <a:p>
+                      <a:pPr marL="0" marR="0" algn="ctr">
+                        <a:lnSpc>
+                          <a:spcPct val="107000"/>
+                        </a:lnSpc>
+                        <a:spcBef>
+                          <a:spcPts val="0"/>
+                        </a:spcBef>
+                        <a:spcAft>
+                          <a:spcPts val="800"/>
+                        </a:spcAft>
+                      </a:pPr>
+                      <a:r>
+                        <a:rPr lang="en-US" sz="1100">
+                          <a:effectLst/>
+                        </a:rPr>
+                        <a:t>GRACE</a:t>
+                      </a:r>
+                      <a:endParaRPr lang="en-US" sz="1200">
+                        <a:effectLst/>
+                        <a:latin typeface="Times New Roman" panose="02020603050405020304" pitchFamily="18" charset="0"/>
+                        <a:ea typeface="Calibri" panose="020F0502020204030204" pitchFamily="34" charset="0"/>
+                        <a:cs typeface="Arial" panose="020B0604020202020204" pitchFamily="34" charset="0"/>
+                      </a:endParaRPr>
+                    </a:p>
+                  </a:txBody>
+                  <a:tcPr marL="9525" marR="9525" marT="9525" marB="0" anchor="b"/>
+                </a:tc>
+                <a:tc>
+                  <a:txBody>
+                    <a:bodyPr/>
+                    <a:lstStyle/>
+                    <a:p>
+                      <a:pPr marL="0" marR="0" algn="ctr">
+                        <a:lnSpc>
+                          <a:spcPct val="107000"/>
+                        </a:lnSpc>
+                        <a:spcBef>
+                          <a:spcPts val="0"/>
+                        </a:spcBef>
+                        <a:spcAft>
+                          <a:spcPts val="800"/>
+                        </a:spcAft>
+                      </a:pPr>
+                      <a:r>
+                        <a:rPr lang="en-US" sz="1100">
+                          <a:effectLst/>
+                        </a:rPr>
+                        <a:t>87.93</a:t>
+                      </a:r>
+                      <a:endParaRPr lang="en-US" sz="1200">
+                        <a:effectLst/>
+                        <a:latin typeface="Times New Roman" panose="02020603050405020304" pitchFamily="18" charset="0"/>
+                        <a:ea typeface="Calibri" panose="020F0502020204030204" pitchFamily="34" charset="0"/>
+                        <a:cs typeface="Arial" panose="020B0604020202020204" pitchFamily="34" charset="0"/>
+                      </a:endParaRPr>
+                    </a:p>
+                  </a:txBody>
+                  <a:tcPr marL="9525" marR="9525" marT="9525" marB="0" anchor="b"/>
+                </a:tc>
+                <a:tc>
+                  <a:txBody>
+                    <a:bodyPr/>
+                    <a:lstStyle/>
+                    <a:p>
+                      <a:pPr marL="0" marR="0" algn="ctr">
+                        <a:lnSpc>
+                          <a:spcPct val="107000"/>
+                        </a:lnSpc>
+                        <a:spcBef>
+                          <a:spcPts val="0"/>
+                        </a:spcBef>
+                        <a:spcAft>
+                          <a:spcPts val="800"/>
+                        </a:spcAft>
+                      </a:pPr>
+                      <a:r>
+                        <a:rPr lang="en-US" sz="1100">
+                          <a:effectLst/>
+                        </a:rPr>
+                        <a:t>85.45</a:t>
+                      </a:r>
+                      <a:endParaRPr lang="en-US" sz="1200">
+                        <a:effectLst/>
+                        <a:latin typeface="Times New Roman" panose="02020603050405020304" pitchFamily="18" charset="0"/>
+                        <a:ea typeface="Calibri" panose="020F0502020204030204" pitchFamily="34" charset="0"/>
+                        <a:cs typeface="Arial" panose="020B0604020202020204" pitchFamily="34" charset="0"/>
+                      </a:endParaRPr>
+                    </a:p>
+                  </a:txBody>
+                  <a:tcPr marL="9525" marR="9525" marT="9525" marB="0" anchor="b"/>
+                </a:tc>
+                <a:tc>
+                  <a:txBody>
+                    <a:bodyPr/>
+                    <a:lstStyle/>
+                    <a:p>
+                      <a:pPr marL="0" marR="0" algn="ctr">
+                        <a:lnSpc>
+                          <a:spcPct val="107000"/>
+                        </a:lnSpc>
+                        <a:spcBef>
+                          <a:spcPts val="0"/>
+                        </a:spcBef>
+                        <a:spcAft>
+                          <a:spcPts val="800"/>
+                        </a:spcAft>
+                      </a:pPr>
+                      <a:r>
+                        <a:rPr lang="en-US" sz="1100">
+                          <a:effectLst/>
+                        </a:rPr>
+                        <a:t>NA</a:t>
+                      </a:r>
+                      <a:endParaRPr lang="en-US" sz="1200">
+                        <a:effectLst/>
+                        <a:latin typeface="Times New Roman" panose="02020603050405020304" pitchFamily="18" charset="0"/>
+                        <a:ea typeface="Calibri" panose="020F0502020204030204" pitchFamily="34" charset="0"/>
+                        <a:cs typeface="Arial" panose="020B0604020202020204" pitchFamily="34" charset="0"/>
+                      </a:endParaRPr>
+                    </a:p>
+                  </a:txBody>
+                  <a:tcPr marL="9525" marR="9525" marT="9525" marB="0" anchor="b"/>
+                </a:tc>
+                <a:tc>
+                  <a:txBody>
+                    <a:bodyPr/>
+                    <a:lstStyle/>
+                    <a:p>
+                      <a:pPr marL="0" marR="0" algn="ctr">
+                        <a:lnSpc>
+                          <a:spcPct val="107000"/>
+                        </a:lnSpc>
+                        <a:spcBef>
+                          <a:spcPts val="0"/>
+                        </a:spcBef>
+                        <a:spcAft>
+                          <a:spcPts val="800"/>
+                        </a:spcAft>
+                      </a:pPr>
+                      <a:r>
+                        <a:rPr lang="en-US" sz="1100">
+                          <a:effectLst/>
+                        </a:rPr>
+                        <a:t>NA</a:t>
+                      </a:r>
+                      <a:endParaRPr lang="en-US" sz="1200">
+                        <a:effectLst/>
+                        <a:latin typeface="Times New Roman" panose="02020603050405020304" pitchFamily="18" charset="0"/>
+                        <a:ea typeface="Calibri" panose="020F0502020204030204" pitchFamily="34" charset="0"/>
+                        <a:cs typeface="Arial" panose="020B0604020202020204" pitchFamily="34" charset="0"/>
+                      </a:endParaRPr>
+                    </a:p>
+                  </a:txBody>
+                  <a:tcPr marL="9525" marR="9525" marT="9525" marB="0" anchor="b"/>
+                </a:tc>
+                <a:extLst>
+                  <a:ext uri="{0D108BD9-81ED-4DB2-BD59-A6C34878D82A}">
+                    <a16:rowId xmlns:a16="http://schemas.microsoft.com/office/drawing/2014/main" val="2754931549"/>
+                  </a:ext>
+                </a:extLst>
+              </a:tr>
+              <a:tr h="417547">
+                <a:tc>
+                  <a:txBody>
+                    <a:bodyPr/>
+                    <a:lstStyle/>
+                    <a:p>
+                      <a:pPr marL="0" marR="0" algn="ctr">
+                        <a:lnSpc>
+                          <a:spcPct val="107000"/>
+                        </a:lnSpc>
+                        <a:spcBef>
+                          <a:spcPts val="0"/>
+                        </a:spcBef>
+                        <a:spcAft>
+                          <a:spcPts val="800"/>
+                        </a:spcAft>
+                      </a:pPr>
+                      <a:r>
+                        <a:rPr lang="en-US" sz="1100">
+                          <a:effectLst/>
+                        </a:rPr>
+                        <a:t>BARTABSA</a:t>
+                      </a:r>
+                      <a:endParaRPr lang="en-US" sz="1200">
+                        <a:effectLst/>
+                        <a:latin typeface="Times New Roman" panose="02020603050405020304" pitchFamily="18" charset="0"/>
+                        <a:ea typeface="Calibri" panose="020F0502020204030204" pitchFamily="34" charset="0"/>
+                        <a:cs typeface="Arial" panose="020B0604020202020204" pitchFamily="34" charset="0"/>
+                      </a:endParaRPr>
+                    </a:p>
+                  </a:txBody>
+                  <a:tcPr marL="9525" marR="9525" marT="9525" marB="0" anchor="b"/>
+                </a:tc>
+                <a:tc>
+                  <a:txBody>
+                    <a:bodyPr/>
+                    <a:lstStyle/>
+                    <a:p>
+                      <a:pPr marL="0" marR="0" algn="ctr">
+                        <a:lnSpc>
+                          <a:spcPct val="107000"/>
+                        </a:lnSpc>
+                        <a:spcBef>
+                          <a:spcPts val="0"/>
+                        </a:spcBef>
+                        <a:spcAft>
+                          <a:spcPts val="800"/>
+                        </a:spcAft>
+                      </a:pPr>
+                      <a:r>
+                        <a:rPr lang="en-US" sz="1100">
+                          <a:effectLst/>
+                        </a:rPr>
+                        <a:t>83.52</a:t>
+                      </a:r>
+                      <a:endParaRPr lang="en-US" sz="1200">
+                        <a:effectLst/>
+                        <a:latin typeface="Times New Roman" panose="02020603050405020304" pitchFamily="18" charset="0"/>
+                        <a:ea typeface="Calibri" panose="020F0502020204030204" pitchFamily="34" charset="0"/>
+                        <a:cs typeface="Arial" panose="020B0604020202020204" pitchFamily="34" charset="0"/>
+                      </a:endParaRPr>
+                    </a:p>
+                  </a:txBody>
+                  <a:tcPr marL="9525" marR="9525" marT="9525" marB="0" anchor="b"/>
+                </a:tc>
+                <a:tc>
+                  <a:txBody>
+                    <a:bodyPr/>
+                    <a:lstStyle/>
+                    <a:p>
+                      <a:pPr marL="0" marR="0" algn="ctr">
+                        <a:lnSpc>
+                          <a:spcPct val="107000"/>
+                        </a:lnSpc>
+                        <a:spcBef>
+                          <a:spcPts val="0"/>
+                        </a:spcBef>
+                        <a:spcAft>
+                          <a:spcPts val="800"/>
+                        </a:spcAft>
+                      </a:pPr>
+                      <a:r>
+                        <a:rPr lang="en-US" sz="1100">
+                          <a:effectLst/>
+                        </a:rPr>
+                        <a:t>87.07</a:t>
+                      </a:r>
+                      <a:endParaRPr lang="en-US" sz="1200">
+                        <a:effectLst/>
+                        <a:latin typeface="Times New Roman" panose="02020603050405020304" pitchFamily="18" charset="0"/>
+                        <a:ea typeface="Calibri" panose="020F0502020204030204" pitchFamily="34" charset="0"/>
+                        <a:cs typeface="Arial" panose="020B0604020202020204" pitchFamily="34" charset="0"/>
+                      </a:endParaRPr>
+                    </a:p>
+                  </a:txBody>
+                  <a:tcPr marL="9525" marR="9525" marT="9525" marB="0" anchor="b"/>
+                </a:tc>
+                <a:tc>
+                  <a:txBody>
+                    <a:bodyPr/>
+                    <a:lstStyle/>
+                    <a:p>
+                      <a:pPr marL="0" marR="0" algn="ctr">
+                        <a:lnSpc>
+                          <a:spcPct val="107000"/>
+                        </a:lnSpc>
+                        <a:spcBef>
+                          <a:spcPts val="0"/>
+                        </a:spcBef>
+                        <a:spcAft>
+                          <a:spcPts val="800"/>
+                        </a:spcAft>
+                      </a:pPr>
+                      <a:r>
+                        <a:rPr lang="en-US" sz="1100">
+                          <a:effectLst/>
+                        </a:rPr>
+                        <a:t>75.54</a:t>
+                      </a:r>
+                      <a:endParaRPr lang="en-US" sz="1200">
+                        <a:effectLst/>
+                        <a:latin typeface="Times New Roman" panose="02020603050405020304" pitchFamily="18" charset="0"/>
+                        <a:ea typeface="Calibri" panose="020F0502020204030204" pitchFamily="34" charset="0"/>
+                        <a:cs typeface="Arial" panose="020B0604020202020204" pitchFamily="34" charset="0"/>
+                      </a:endParaRPr>
+                    </a:p>
+                  </a:txBody>
+                  <a:tcPr marL="9525" marR="9525" marT="9525" marB="0" anchor="b"/>
+                </a:tc>
+                <a:tc>
+                  <a:txBody>
+                    <a:bodyPr/>
+                    <a:lstStyle/>
+                    <a:p>
+                      <a:pPr marL="0" marR="0" algn="ctr">
+                        <a:lnSpc>
+                          <a:spcPct val="107000"/>
+                        </a:lnSpc>
+                        <a:spcBef>
+                          <a:spcPts val="0"/>
+                        </a:spcBef>
+                        <a:spcAft>
+                          <a:spcPts val="800"/>
+                        </a:spcAft>
+                      </a:pPr>
+                      <a:r>
+                        <a:rPr lang="en-US" sz="1100">
+                          <a:effectLst/>
+                        </a:rPr>
+                        <a:t>NA</a:t>
+                      </a:r>
+                      <a:endParaRPr lang="en-US" sz="1200">
+                        <a:effectLst/>
+                        <a:latin typeface="Times New Roman" panose="02020603050405020304" pitchFamily="18" charset="0"/>
+                        <a:ea typeface="Calibri" panose="020F0502020204030204" pitchFamily="34" charset="0"/>
+                        <a:cs typeface="Arial" panose="020B0604020202020204" pitchFamily="34" charset="0"/>
+                      </a:endParaRPr>
+                    </a:p>
+                  </a:txBody>
+                  <a:tcPr marL="9525" marR="9525" marT="9525" marB="0" anchor="b"/>
+                </a:tc>
+                <a:extLst>
+                  <a:ext uri="{0D108BD9-81ED-4DB2-BD59-A6C34878D82A}">
+                    <a16:rowId xmlns:a16="http://schemas.microsoft.com/office/drawing/2014/main" val="4023976944"/>
+                  </a:ext>
+                </a:extLst>
+              </a:tr>
+              <a:tr h="439523">
+                <a:tc>
+                  <a:txBody>
+                    <a:bodyPr/>
+                    <a:lstStyle/>
+                    <a:p>
+                      <a:pPr marL="0" marR="0" algn="ctr">
+                        <a:lnSpc>
+                          <a:spcPct val="107000"/>
+                        </a:lnSpc>
+                        <a:spcBef>
+                          <a:spcPts val="0"/>
+                        </a:spcBef>
+                        <a:spcAft>
+                          <a:spcPts val="800"/>
+                        </a:spcAft>
+                      </a:pPr>
+                      <a:r>
+                        <a:rPr lang="en-US" sz="1100">
+                          <a:effectLst/>
+                        </a:rPr>
+                        <a:t>IT-MTL</a:t>
+                      </a:r>
+                      <a:endParaRPr lang="en-US" sz="1200">
+                        <a:effectLst/>
+                        <a:latin typeface="Times New Roman" panose="02020603050405020304" pitchFamily="18" charset="0"/>
+                        <a:ea typeface="Calibri" panose="020F0502020204030204" pitchFamily="34" charset="0"/>
+                        <a:cs typeface="Arial" panose="020B0604020202020204" pitchFamily="34" charset="0"/>
+                      </a:endParaRPr>
+                    </a:p>
+                  </a:txBody>
+                  <a:tcPr marL="9525" marR="9525" marT="9525" marB="0" anchor="b"/>
+                </a:tc>
+                <a:tc>
+                  <a:txBody>
+                    <a:bodyPr/>
+                    <a:lstStyle/>
+                    <a:p>
+                      <a:pPr marL="0" marR="0" algn="ctr">
+                        <a:lnSpc>
+                          <a:spcPct val="107000"/>
+                        </a:lnSpc>
+                        <a:spcBef>
+                          <a:spcPts val="0"/>
+                        </a:spcBef>
+                        <a:spcAft>
+                          <a:spcPts val="800"/>
+                        </a:spcAft>
+                      </a:pPr>
+                      <a:r>
+                        <a:rPr lang="en-US" sz="1100">
+                          <a:effectLst/>
+                        </a:rPr>
+                        <a:t>76.93</a:t>
+                      </a:r>
+                      <a:endParaRPr lang="en-US" sz="1200">
+                        <a:effectLst/>
+                        <a:latin typeface="Times New Roman" panose="02020603050405020304" pitchFamily="18" charset="0"/>
+                        <a:ea typeface="Calibri" panose="020F0502020204030204" pitchFamily="34" charset="0"/>
+                        <a:cs typeface="Arial" panose="020B0604020202020204" pitchFamily="34" charset="0"/>
+                      </a:endParaRPr>
+                    </a:p>
+                  </a:txBody>
+                  <a:tcPr marL="9525" marR="9525" marT="9525" marB="0" anchor="b"/>
+                </a:tc>
+                <a:tc>
+                  <a:txBody>
+                    <a:bodyPr/>
+                    <a:lstStyle/>
+                    <a:p>
+                      <a:pPr marL="0" marR="0" algn="ctr">
+                        <a:lnSpc>
+                          <a:spcPct val="107000"/>
+                        </a:lnSpc>
+                        <a:spcBef>
+                          <a:spcPts val="0"/>
+                        </a:spcBef>
+                        <a:spcAft>
+                          <a:spcPts val="800"/>
+                        </a:spcAft>
+                      </a:pPr>
+                      <a:r>
+                        <a:rPr lang="en-US" sz="1100">
+                          <a:effectLst/>
+                        </a:rPr>
+                        <a:t>NA</a:t>
+                      </a:r>
+                      <a:endParaRPr lang="en-US" sz="1200">
+                        <a:effectLst/>
+                        <a:latin typeface="Times New Roman" panose="02020603050405020304" pitchFamily="18" charset="0"/>
+                        <a:ea typeface="Calibri" panose="020F0502020204030204" pitchFamily="34" charset="0"/>
+                        <a:cs typeface="Arial" panose="020B0604020202020204" pitchFamily="34" charset="0"/>
+                      </a:endParaRPr>
+                    </a:p>
+                  </a:txBody>
+                  <a:tcPr marL="9525" marR="9525" marT="9525" marB="0" anchor="b"/>
+                </a:tc>
+                <a:tc>
+                  <a:txBody>
+                    <a:bodyPr/>
+                    <a:lstStyle/>
+                    <a:p>
+                      <a:pPr marL="0" marR="0" algn="ctr">
+                        <a:lnSpc>
+                          <a:spcPct val="107000"/>
+                        </a:lnSpc>
+                        <a:spcBef>
+                          <a:spcPts val="0"/>
+                        </a:spcBef>
+                        <a:spcAft>
+                          <a:spcPts val="800"/>
+                        </a:spcAft>
+                      </a:pPr>
+                      <a:r>
+                        <a:rPr lang="en-US" sz="1100">
+                          <a:effectLst/>
+                        </a:rPr>
+                        <a:t>74.03</a:t>
+                      </a:r>
+                      <a:endParaRPr lang="en-US" sz="1200">
+                        <a:effectLst/>
+                        <a:latin typeface="Times New Roman" panose="02020603050405020304" pitchFamily="18" charset="0"/>
+                        <a:ea typeface="Calibri" panose="020F0502020204030204" pitchFamily="34" charset="0"/>
+                        <a:cs typeface="Arial" panose="020B0604020202020204" pitchFamily="34" charset="0"/>
+                      </a:endParaRPr>
+                    </a:p>
+                  </a:txBody>
+                  <a:tcPr marL="9525" marR="9525" marT="9525" marB="0" anchor="b"/>
+                </a:tc>
+                <a:tc>
+                  <a:txBody>
+                    <a:bodyPr/>
+                    <a:lstStyle/>
+                    <a:p>
+                      <a:pPr marL="0" marR="0" algn="ctr">
+                        <a:lnSpc>
+                          <a:spcPct val="107000"/>
+                        </a:lnSpc>
+                        <a:spcBef>
+                          <a:spcPts val="0"/>
+                        </a:spcBef>
+                        <a:spcAft>
+                          <a:spcPts val="800"/>
+                        </a:spcAft>
+                      </a:pPr>
+                      <a:r>
+                        <a:rPr lang="en-US" sz="1100">
+                          <a:effectLst/>
+                        </a:rPr>
+                        <a:t>79.41</a:t>
+                      </a:r>
+                      <a:endParaRPr lang="en-US" sz="1200">
+                        <a:effectLst/>
+                        <a:latin typeface="Times New Roman" panose="02020603050405020304" pitchFamily="18" charset="0"/>
+                        <a:ea typeface="Calibri" panose="020F0502020204030204" pitchFamily="34" charset="0"/>
+                        <a:cs typeface="Arial" panose="020B0604020202020204" pitchFamily="34" charset="0"/>
+                      </a:endParaRPr>
+                    </a:p>
+                  </a:txBody>
+                  <a:tcPr marL="9525" marR="9525" marT="9525" marB="0" anchor="b"/>
+                </a:tc>
+                <a:extLst>
+                  <a:ext uri="{0D108BD9-81ED-4DB2-BD59-A6C34878D82A}">
+                    <a16:rowId xmlns:a16="http://schemas.microsoft.com/office/drawing/2014/main" val="1281481801"/>
+                  </a:ext>
+                </a:extLst>
+              </a:tr>
+              <a:tr h="439523">
+                <a:tc>
+                  <a:txBody>
+                    <a:bodyPr/>
+                    <a:lstStyle/>
+                    <a:p>
+                      <a:pPr marL="0" marR="0" algn="ctr">
+                        <a:lnSpc>
+                          <a:spcPct val="107000"/>
+                        </a:lnSpc>
+                        <a:spcBef>
+                          <a:spcPts val="0"/>
+                        </a:spcBef>
+                        <a:spcAft>
+                          <a:spcPts val="800"/>
+                        </a:spcAft>
+                      </a:pPr>
+                      <a:r>
+                        <a:rPr lang="en-US" sz="1100">
+                          <a:effectLst/>
+                        </a:rPr>
+                        <a:t>Inst ABSA</a:t>
+                      </a:r>
+                      <a:endParaRPr lang="en-US" sz="1200">
+                        <a:effectLst/>
+                        <a:latin typeface="Times New Roman" panose="02020603050405020304" pitchFamily="18" charset="0"/>
+                        <a:ea typeface="Calibri" panose="020F0502020204030204" pitchFamily="34" charset="0"/>
+                        <a:cs typeface="Arial" panose="020B0604020202020204" pitchFamily="34" charset="0"/>
+                      </a:endParaRPr>
+                    </a:p>
+                  </a:txBody>
+                  <a:tcPr marL="9525" marR="9525" marT="9525" marB="0" anchor="b"/>
+                </a:tc>
+                <a:tc>
+                  <a:txBody>
+                    <a:bodyPr/>
+                    <a:lstStyle/>
+                    <a:p>
+                      <a:pPr marL="0" marR="0" algn="ctr">
+                        <a:lnSpc>
+                          <a:spcPct val="107000"/>
+                        </a:lnSpc>
+                        <a:spcBef>
+                          <a:spcPts val="0"/>
+                        </a:spcBef>
+                        <a:spcAft>
+                          <a:spcPts val="800"/>
+                        </a:spcAft>
+                      </a:pPr>
+                      <a:r>
+                        <a:rPr lang="en-US" sz="1100" dirty="0">
+                          <a:effectLst/>
+                        </a:rPr>
+                        <a:t>91.4</a:t>
+                      </a:r>
+                      <a:endParaRPr lang="en-US" sz="1200" dirty="0">
+                        <a:effectLst/>
+                        <a:latin typeface="Times New Roman" panose="02020603050405020304" pitchFamily="18" charset="0"/>
+                        <a:ea typeface="Calibri" panose="020F0502020204030204" pitchFamily="34" charset="0"/>
+                        <a:cs typeface="Arial" panose="020B0604020202020204" pitchFamily="34" charset="0"/>
+                      </a:endParaRPr>
+                    </a:p>
+                  </a:txBody>
+                  <a:tcPr marL="9525" marR="9525" marT="9525" marB="0" anchor="b"/>
+                </a:tc>
+                <a:tc>
+                  <a:txBody>
+                    <a:bodyPr/>
+                    <a:lstStyle/>
+                    <a:p>
+                      <a:pPr marL="0" marR="0" algn="ctr">
+                        <a:lnSpc>
+                          <a:spcPct val="107000"/>
+                        </a:lnSpc>
+                        <a:spcBef>
+                          <a:spcPts val="0"/>
+                        </a:spcBef>
+                        <a:spcAft>
+                          <a:spcPts val="800"/>
+                        </a:spcAft>
+                      </a:pPr>
+                      <a:r>
+                        <a:rPr lang="en-US" sz="1100">
+                          <a:effectLst/>
+                        </a:rPr>
+                        <a:t>92.76</a:t>
+                      </a:r>
+                      <a:endParaRPr lang="en-US" sz="1200">
+                        <a:effectLst/>
+                        <a:latin typeface="Times New Roman" panose="02020603050405020304" pitchFamily="18" charset="0"/>
+                        <a:ea typeface="Calibri" panose="020F0502020204030204" pitchFamily="34" charset="0"/>
+                        <a:cs typeface="Arial" panose="020B0604020202020204" pitchFamily="34" charset="0"/>
+                      </a:endParaRPr>
+                    </a:p>
+                  </a:txBody>
+                  <a:tcPr marL="9525" marR="9525" marT="9525" marB="0" anchor="b"/>
+                </a:tc>
+                <a:tc>
+                  <a:txBody>
+                    <a:bodyPr/>
+                    <a:lstStyle/>
+                    <a:p>
+                      <a:pPr marL="0" marR="0">
+                        <a:lnSpc>
+                          <a:spcPct val="107000"/>
+                        </a:lnSpc>
+                        <a:spcBef>
+                          <a:spcPts val="0"/>
+                        </a:spcBef>
+                        <a:spcAft>
+                          <a:spcPts val="800"/>
+                        </a:spcAft>
+                      </a:pPr>
+                      <a:r>
+                        <a:rPr lang="en-US" sz="1100">
+                          <a:effectLst/>
+                        </a:rPr>
+                        <a:t>75.23</a:t>
+                      </a:r>
+                      <a:endParaRPr lang="en-US" sz="1200">
+                        <a:effectLst/>
+                        <a:latin typeface="Times New Roman" panose="02020603050405020304" pitchFamily="18" charset="0"/>
+                        <a:ea typeface="Calibri" panose="020F0502020204030204" pitchFamily="34" charset="0"/>
+                        <a:cs typeface="Arial" panose="020B0604020202020204" pitchFamily="34" charset="0"/>
+                      </a:endParaRPr>
+                    </a:p>
+                  </a:txBody>
+                  <a:tcPr marL="9525" marR="9525" marT="9525" marB="0" anchor="b"/>
+                </a:tc>
+                <a:tc>
+                  <a:txBody>
+                    <a:bodyPr/>
+                    <a:lstStyle/>
+                    <a:p>
+                      <a:pPr marL="0" marR="0" algn="ctr">
+                        <a:lnSpc>
+                          <a:spcPct val="107000"/>
+                        </a:lnSpc>
+                        <a:spcBef>
+                          <a:spcPts val="0"/>
+                        </a:spcBef>
+                        <a:spcAft>
+                          <a:spcPts val="800"/>
+                        </a:spcAft>
+                      </a:pPr>
+                      <a:r>
+                        <a:rPr lang="en-US" sz="1100" dirty="0">
+                          <a:effectLst/>
+                        </a:rPr>
+                        <a:t>81.48</a:t>
+                      </a:r>
+                      <a:endParaRPr lang="en-US" sz="1200" dirty="0">
+                        <a:effectLst/>
+                        <a:latin typeface="Times New Roman" panose="02020603050405020304" pitchFamily="18" charset="0"/>
+                        <a:ea typeface="Calibri" panose="020F0502020204030204" pitchFamily="34" charset="0"/>
+                        <a:cs typeface="Arial" panose="020B0604020202020204" pitchFamily="34" charset="0"/>
+                      </a:endParaRPr>
+                    </a:p>
+                  </a:txBody>
+                  <a:tcPr marL="9525" marR="9525" marT="9525" marB="0" anchor="b"/>
+                </a:tc>
+                <a:extLst>
+                  <a:ext uri="{0D108BD9-81ED-4DB2-BD59-A6C34878D82A}">
+                    <a16:rowId xmlns:a16="http://schemas.microsoft.com/office/drawing/2014/main" val="1300939026"/>
+                  </a:ext>
+                </a:extLst>
+              </a:tr>
+            </a:tbl>
+          </a:graphicData>
+        </a:graphic>
+      </p:graphicFrame>
+      <p:sp>
+        <p:nvSpPr>
+          <p:cNvPr id="5" name="Content Placeholder 2"/>
+          <p:cNvSpPr txBox="1">
+            <a:spLocks/>
+          </p:cNvSpPr>
+          <p:nvPr/>
+        </p:nvSpPr>
+        <p:spPr>
+          <a:xfrm>
+            <a:off x="838200" y="1825625"/>
+            <a:ext cx="10515600" cy="679035"/>
+          </a:xfrm>
+          <a:prstGeom prst="rect">
+            <a:avLst/>
+          </a:prstGeom>
+        </p:spPr>
+        <p:txBody>
+          <a:bodyPr vert="horz" lIns="91440" tIns="45720" rIns="91440" bIns="45720" rtlCol="0">
+            <a:normAutofit/>
+          </a:bodyPr>
+          <a:lstStyle>
+            <a:lvl1pPr marL="228600" indent="-228600" algn="l" defTabSz="914400" rtl="0" eaLnBrk="1" latinLnBrk="0" hangingPunct="1">
+              <a:lnSpc>
+                <a:spcPct val="90000"/>
+              </a:lnSpc>
+              <a:spcBef>
+                <a:spcPts val="1000"/>
+              </a:spcBef>
+              <a:buFont typeface="Arial" panose="020B0604020202020204" pitchFamily="34" charset="0"/>
+              <a:buChar char="•"/>
+              <a:defRPr sz="2800" kern="1200">
+                <a:solidFill>
+                  <a:schemeClr val="tx1"/>
+                </a:solidFill>
+                <a:latin typeface="+mn-lt"/>
+                <a:ea typeface="+mn-ea"/>
+                <a:cs typeface="+mn-cs"/>
+              </a:defRPr>
+            </a:lvl1pPr>
+            <a:lvl2pPr marL="685800" indent="-228600" algn="l" defTabSz="914400" rtl="0" eaLnBrk="1" latinLnBrk="0" hangingPunct="1">
+              <a:lnSpc>
+                <a:spcPct val="90000"/>
+              </a:lnSpc>
+              <a:spcBef>
+                <a:spcPts val="500"/>
+              </a:spcBef>
+              <a:buFont typeface="Arial" panose="020B0604020202020204" pitchFamily="34" charset="0"/>
+              <a:buChar char="•"/>
+              <a:defRPr sz="2400" kern="1200">
+                <a:solidFill>
+                  <a:schemeClr val="tx1"/>
+                </a:solidFill>
+                <a:latin typeface="+mn-lt"/>
+                <a:ea typeface="+mn-ea"/>
+                <a:cs typeface="+mn-cs"/>
+              </a:defRPr>
+            </a:lvl2pPr>
+            <a:lvl3pPr marL="1143000" indent="-228600" algn="l" defTabSz="914400" rtl="0" eaLnBrk="1" latinLnBrk="0" hangingPunct="1">
+              <a:lnSpc>
+                <a:spcPct val="90000"/>
+              </a:lnSpc>
+              <a:spcBef>
+                <a:spcPts val="500"/>
+              </a:spcBef>
+              <a:buFont typeface="Arial" panose="020B0604020202020204" pitchFamily="34" charset="0"/>
+              <a:buChar char="•"/>
+              <a:defRPr sz="2000" kern="1200">
+                <a:solidFill>
+                  <a:schemeClr val="tx1"/>
+                </a:solidFill>
+                <a:latin typeface="+mn-lt"/>
+                <a:ea typeface="+mn-ea"/>
+                <a:cs typeface="+mn-cs"/>
+              </a:defRPr>
+            </a:lvl3pPr>
+            <a:lvl4pPr marL="1600200" indent="-228600" algn="l" defTabSz="914400" rtl="0" eaLnBrk="1" latinLnBrk="0" hangingPunct="1">
+              <a:lnSpc>
+                <a:spcPct val="90000"/>
+              </a:lnSpc>
+              <a:spcBef>
+                <a:spcPts val="500"/>
+              </a:spcBef>
+              <a:buFont typeface="Arial" panose="020B0604020202020204" pitchFamily="34" charset="0"/>
+              <a:buChar char="•"/>
+              <a:defRPr sz="1800" kern="1200">
+                <a:solidFill>
+                  <a:schemeClr val="tx1"/>
+                </a:solidFill>
+                <a:latin typeface="+mn-lt"/>
+                <a:ea typeface="+mn-ea"/>
+                <a:cs typeface="+mn-cs"/>
+              </a:defRPr>
+            </a:lvl4pPr>
+            <a:lvl5pPr marL="2057400" indent="-228600" algn="l" defTabSz="914400" rtl="0" eaLnBrk="1" latinLnBrk="0" hangingPunct="1">
+              <a:lnSpc>
+                <a:spcPct val="90000"/>
+              </a:lnSpc>
+              <a:spcBef>
+                <a:spcPts val="500"/>
+              </a:spcBef>
+              <a:buFont typeface="Arial" panose="020B0604020202020204" pitchFamily="34" charset="0"/>
+              <a:buChar char="•"/>
+              <a:defRPr sz="1800" kern="1200">
+                <a:solidFill>
+                  <a:schemeClr val="tx1"/>
+                </a:solidFill>
+                <a:latin typeface="+mn-lt"/>
+                <a:ea typeface="+mn-ea"/>
+                <a:cs typeface="+mn-cs"/>
+              </a:defRPr>
+            </a:lvl5pPr>
+            <a:lvl6pPr marL="2514600" indent="-228600" algn="l" defTabSz="914400" rtl="0" eaLnBrk="1" latinLnBrk="0" hangingPunct="1">
+              <a:lnSpc>
+                <a:spcPct val="90000"/>
+              </a:lnSpc>
+              <a:spcBef>
+                <a:spcPts val="500"/>
+              </a:spcBef>
+              <a:buFont typeface="Arial" panose="020B0604020202020204" pitchFamily="34" charset="0"/>
+              <a:buChar char="•"/>
+              <a:defRPr sz="1800" kern="1200">
+                <a:solidFill>
+                  <a:schemeClr val="tx1"/>
+                </a:solidFill>
+                <a:latin typeface="+mn-lt"/>
+                <a:ea typeface="+mn-ea"/>
+                <a:cs typeface="+mn-cs"/>
+              </a:defRPr>
+            </a:lvl6pPr>
+            <a:lvl7pPr marL="2971800" indent="-228600" algn="l" defTabSz="914400" rtl="0" eaLnBrk="1" latinLnBrk="0" hangingPunct="1">
+              <a:lnSpc>
+                <a:spcPct val="90000"/>
+              </a:lnSpc>
+              <a:spcBef>
+                <a:spcPts val="500"/>
+              </a:spcBef>
+              <a:buFont typeface="Arial" panose="020B0604020202020204" pitchFamily="34" charset="0"/>
+              <a:buChar char="•"/>
+              <a:defRPr sz="1800" kern="1200">
+                <a:solidFill>
+                  <a:schemeClr val="tx1"/>
+                </a:solidFill>
+                <a:latin typeface="+mn-lt"/>
+                <a:ea typeface="+mn-ea"/>
+                <a:cs typeface="+mn-cs"/>
+              </a:defRPr>
+            </a:lvl7pPr>
+            <a:lvl8pPr marL="3429000" indent="-228600" algn="l" defTabSz="914400" rtl="0" eaLnBrk="1" latinLnBrk="0" hangingPunct="1">
+              <a:lnSpc>
+                <a:spcPct val="90000"/>
+              </a:lnSpc>
+              <a:spcBef>
+                <a:spcPts val="500"/>
+              </a:spcBef>
+              <a:buFont typeface="Arial" panose="020B0604020202020204" pitchFamily="34" charset="0"/>
+              <a:buChar char="•"/>
+              <a:defRPr sz="1800" kern="1200">
+                <a:solidFill>
+                  <a:schemeClr val="tx1"/>
+                </a:solidFill>
+                <a:latin typeface="+mn-lt"/>
+                <a:ea typeface="+mn-ea"/>
+                <a:cs typeface="+mn-cs"/>
+              </a:defRPr>
+            </a:lvl8pPr>
+            <a:lvl9pPr marL="3886200" indent="-228600" algn="l" defTabSz="914400" rtl="0" eaLnBrk="1" latinLnBrk="0" hangingPunct="1">
+              <a:lnSpc>
+                <a:spcPct val="90000"/>
+              </a:lnSpc>
+              <a:spcBef>
+                <a:spcPts val="500"/>
+              </a:spcBef>
+              <a:buFont typeface="Arial" panose="020B0604020202020204" pitchFamily="34" charset="0"/>
+              <a:buChar char="•"/>
+              <a:defRPr sz="1800" kern="1200">
+                <a:solidFill>
+                  <a:schemeClr val="tx1"/>
+                </a:solidFill>
+                <a:latin typeface="+mn-lt"/>
+                <a:ea typeface="+mn-ea"/>
+                <a:cs typeface="+mn-cs"/>
+              </a:defRPr>
+            </a:lvl9pPr>
+          </a:lstStyle>
+          <a:p>
+            <a:r>
+              <a:rPr lang="en-US" sz="2200" dirty="0" smtClean="0">
+                <a:latin typeface="Times New Roman" panose="02020603050405020304" pitchFamily="18" charset="0"/>
+                <a:cs typeface="Times New Roman" panose="02020603050405020304" pitchFamily="18" charset="0"/>
+              </a:rPr>
+              <a:t>Comparison between </a:t>
+            </a:r>
+            <a:r>
+              <a:rPr lang="en-US" sz="2200" dirty="0" err="1" smtClean="0">
+                <a:latin typeface="Times New Roman" panose="02020603050405020304" pitchFamily="18" charset="0"/>
+                <a:cs typeface="Times New Roman" panose="02020603050405020304" pitchFamily="18" charset="0"/>
+              </a:rPr>
+              <a:t>GPTmed</a:t>
+            </a:r>
+            <a:r>
+              <a:rPr lang="en-US" sz="2200" dirty="0" smtClean="0">
+                <a:latin typeface="Times New Roman" panose="02020603050405020304" pitchFamily="18" charset="0"/>
+                <a:cs typeface="Times New Roman" panose="02020603050405020304" pitchFamily="18" charset="0"/>
+              </a:rPr>
+              <a:t>, GRACE, BARTABSA, IT-MTL V/S </a:t>
+            </a:r>
+            <a:r>
+              <a:rPr lang="en-US" sz="2200" dirty="0" err="1" smtClean="0">
+                <a:latin typeface="Times New Roman" panose="02020603050405020304" pitchFamily="18" charset="0"/>
+                <a:cs typeface="Times New Roman" panose="02020603050405020304" pitchFamily="18" charset="0"/>
+              </a:rPr>
+              <a:t>Inst</a:t>
+            </a:r>
+            <a:r>
+              <a:rPr lang="en-US" sz="2200" dirty="0" smtClean="0">
+                <a:latin typeface="Times New Roman" panose="02020603050405020304" pitchFamily="18" charset="0"/>
+                <a:cs typeface="Times New Roman" panose="02020603050405020304" pitchFamily="18" charset="0"/>
+              </a:rPr>
+              <a:t> ABSA</a:t>
+            </a:r>
+            <a:endParaRPr lang="en-US" sz="2200" dirty="0">
+              <a:latin typeface="Times New Roman" panose="02020603050405020304" pitchFamily="18" charset="0"/>
+              <a:cs typeface="Times New Roman" panose="02020603050405020304" pitchFamily="18" charset="0"/>
+            </a:endParaRPr>
+          </a:p>
+        </p:txBody>
+      </p:sp>
+    </p:spTree>
+    <p:extLst>
+      <p:ext uri="{BB962C8B-B14F-4D97-AF65-F5344CB8AC3E}">
+        <p14:creationId xmlns:p14="http://schemas.microsoft.com/office/powerpoint/2010/main" val="474271678"/>
+      </p:ext>
+    </p:extLst>
+  </p:cSld>
+  <p:clrMapOvr>
+    <a:masterClrMapping/>
+  </p:clrMapOvr>
+</p:sld>
+</file>
+
+<file path=ppt/slides/slide14.xml><?xml version="1.0" encoding="utf-8"?>
+<p:sld xmlns:a="http://schemas.openxmlformats.org/drawingml/2006/main" xmlns:r="http://schemas.openxmlformats.org/officeDocument/2006/relationships" xmlns:p="http://schemas.openxmlformats.org/presentationml/2006/main">
+  <p:cSld>
+    <p:spTree>
+      <p:nvGrpSpPr>
+        <p:cNvPr id="1" name=""/>
+        <p:cNvGrpSpPr/>
+        <p:nvPr/>
+      </p:nvGrpSpPr>
+      <p:grpSpPr>
+        <a:xfrm>
+          <a:off x="0" y="0"/>
+          <a:ext cx="0" cy="0"/>
+          <a:chOff x="0" y="0"/>
+          <a:chExt cx="0" cy="0"/>
+        </a:xfrm>
+      </p:grpSpPr>
+      <p:sp>
+        <p:nvSpPr>
+          <p:cNvPr id="2" name="Title 1"/>
+          <p:cNvSpPr>
+            <a:spLocks noGrp="1"/>
+          </p:cNvSpPr>
+          <p:nvPr>
+            <p:ph type="title"/>
+          </p:nvPr>
+        </p:nvSpPr>
+        <p:spPr/>
+        <p:txBody>
+          <a:bodyPr/>
+          <a:lstStyle/>
+          <a:p>
+            <a:endParaRPr lang="en-US"/>
+          </a:p>
+        </p:txBody>
+      </p:sp>
+      <p:graphicFrame>
+        <p:nvGraphicFramePr>
+          <p:cNvPr id="4" name="Content Placeholder 3"/>
+          <p:cNvGraphicFramePr>
+            <a:graphicFrameLocks noGrp="1"/>
+          </p:cNvGraphicFramePr>
+          <p:nvPr>
+            <p:ph idx="1"/>
+            <p:extLst>
+              <p:ext uri="{D42A27DB-BD31-4B8C-83A1-F6EECF244321}">
+                <p14:modId xmlns:p14="http://schemas.microsoft.com/office/powerpoint/2010/main" val="2399981122"/>
+              </p:ext>
+            </p:extLst>
+          </p:nvPr>
+        </p:nvGraphicFramePr>
+        <p:xfrm>
+          <a:off x="1420923" y="2867632"/>
+          <a:ext cx="3990975" cy="1114425"/>
+        </p:xfrm>
+        <a:graphic>
+          <a:graphicData uri="http://schemas.openxmlformats.org/drawingml/2006/table">
+            <a:tbl>
+              <a:tblPr firstRow="1" firstCol="1">
+                <a:tableStyleId>{5C22544A-7EE6-4342-B048-85BDC9FD1C3A}</a:tableStyleId>
+              </a:tblPr>
+              <a:tblGrid>
+                <a:gridCol w="942975">
+                  <a:extLst>
+                    <a:ext uri="{9D8B030D-6E8A-4147-A177-3AD203B41FA5}">
+                      <a16:colId xmlns:a16="http://schemas.microsoft.com/office/drawing/2014/main" val="2908794507"/>
+                    </a:ext>
+                  </a:extLst>
+                </a:gridCol>
+                <a:gridCol w="609600">
+                  <a:extLst>
+                    <a:ext uri="{9D8B030D-6E8A-4147-A177-3AD203B41FA5}">
+                      <a16:colId xmlns:a16="http://schemas.microsoft.com/office/drawing/2014/main" val="736351008"/>
+                    </a:ext>
+                  </a:extLst>
+                </a:gridCol>
+                <a:gridCol w="609600">
+                  <a:extLst>
+                    <a:ext uri="{9D8B030D-6E8A-4147-A177-3AD203B41FA5}">
+                      <a16:colId xmlns:a16="http://schemas.microsoft.com/office/drawing/2014/main" val="233011432"/>
+                    </a:ext>
+                  </a:extLst>
+                </a:gridCol>
+                <a:gridCol w="609600">
+                  <a:extLst>
+                    <a:ext uri="{9D8B030D-6E8A-4147-A177-3AD203B41FA5}">
+                      <a16:colId xmlns:a16="http://schemas.microsoft.com/office/drawing/2014/main" val="2964248472"/>
+                    </a:ext>
+                  </a:extLst>
+                </a:gridCol>
+                <a:gridCol w="609600">
+                  <a:extLst>
+                    <a:ext uri="{9D8B030D-6E8A-4147-A177-3AD203B41FA5}">
+                      <a16:colId xmlns:a16="http://schemas.microsoft.com/office/drawing/2014/main" val="2217961319"/>
+                    </a:ext>
+                  </a:extLst>
+                </a:gridCol>
+                <a:gridCol w="609600">
+                  <a:extLst>
+                    <a:ext uri="{9D8B030D-6E8A-4147-A177-3AD203B41FA5}">
+                      <a16:colId xmlns:a16="http://schemas.microsoft.com/office/drawing/2014/main" val="1263161806"/>
+                    </a:ext>
+                  </a:extLst>
+                </a:gridCol>
+              </a:tblGrid>
+              <a:tr h="190500">
+                <a:tc>
+                  <a:txBody>
+                    <a:bodyPr/>
+                    <a:lstStyle/>
+                    <a:p>
+                      <a:pPr marL="0" marR="0" algn="ctr">
+                        <a:lnSpc>
+                          <a:spcPct val="107000"/>
+                        </a:lnSpc>
+                        <a:spcBef>
+                          <a:spcPts val="0"/>
+                        </a:spcBef>
+                        <a:spcAft>
+                          <a:spcPts val="800"/>
+                        </a:spcAft>
+                      </a:pPr>
+                      <a:r>
+                        <a:rPr lang="en-US" sz="1100">
+                          <a:effectLst/>
+                        </a:rPr>
+                        <a:t>Model</a:t>
+                      </a:r>
+                      <a:endParaRPr lang="en-US" sz="1200">
+                        <a:effectLst/>
+                        <a:latin typeface="Times New Roman" panose="02020603050405020304" pitchFamily="18" charset="0"/>
+                        <a:ea typeface="Calibri" panose="020F0502020204030204" pitchFamily="34" charset="0"/>
+                        <a:cs typeface="Arial" panose="020B0604020202020204" pitchFamily="34" charset="0"/>
+                      </a:endParaRPr>
+                    </a:p>
+                  </a:txBody>
+                  <a:tcPr marL="9525" marR="9525" marT="9525" marB="0" anchor="b"/>
+                </a:tc>
+                <a:tc>
+                  <a:txBody>
+                    <a:bodyPr/>
+                    <a:lstStyle/>
+                    <a:p>
+                      <a:pPr marL="0" marR="0" algn="ctr">
+                        <a:lnSpc>
+                          <a:spcPct val="107000"/>
+                        </a:lnSpc>
+                        <a:spcBef>
+                          <a:spcPts val="0"/>
+                        </a:spcBef>
+                        <a:spcAft>
+                          <a:spcPts val="800"/>
+                        </a:spcAft>
+                      </a:pPr>
+                      <a:r>
+                        <a:rPr lang="en-US" sz="1100">
+                          <a:effectLst/>
+                        </a:rPr>
+                        <a:t>Lapt14</a:t>
+                      </a:r>
+                      <a:endParaRPr lang="en-US" sz="1200">
+                        <a:effectLst/>
+                        <a:latin typeface="Times New Roman" panose="02020603050405020304" pitchFamily="18" charset="0"/>
+                        <a:ea typeface="Calibri" panose="020F0502020204030204" pitchFamily="34" charset="0"/>
+                        <a:cs typeface="Arial" panose="020B0604020202020204" pitchFamily="34" charset="0"/>
+                      </a:endParaRPr>
+                    </a:p>
+                  </a:txBody>
+                  <a:tcPr marL="9525" marR="9525" marT="9525" marB="0" anchor="b"/>
+                </a:tc>
+                <a:tc>
+                  <a:txBody>
+                    <a:bodyPr/>
+                    <a:lstStyle/>
+                    <a:p>
+                      <a:pPr marL="0" marR="0" algn="ctr">
+                        <a:lnSpc>
+                          <a:spcPct val="107000"/>
+                        </a:lnSpc>
+                        <a:spcBef>
+                          <a:spcPts val="0"/>
+                        </a:spcBef>
+                        <a:spcAft>
+                          <a:spcPts val="800"/>
+                        </a:spcAft>
+                      </a:pPr>
+                      <a:r>
+                        <a:rPr lang="en-US" sz="1100">
+                          <a:effectLst/>
+                        </a:rPr>
+                        <a:t>Rest14</a:t>
+                      </a:r>
+                      <a:endParaRPr lang="en-US" sz="1200">
+                        <a:effectLst/>
+                        <a:latin typeface="Times New Roman" panose="02020603050405020304" pitchFamily="18" charset="0"/>
+                        <a:ea typeface="Calibri" panose="020F0502020204030204" pitchFamily="34" charset="0"/>
+                        <a:cs typeface="Arial" panose="020B0604020202020204" pitchFamily="34" charset="0"/>
+                      </a:endParaRPr>
+                    </a:p>
+                  </a:txBody>
+                  <a:tcPr marL="9525" marR="9525" marT="9525" marB="0" anchor="b"/>
+                </a:tc>
+                <a:tc>
+                  <a:txBody>
+                    <a:bodyPr/>
+                    <a:lstStyle/>
+                    <a:p>
+                      <a:pPr marL="0" marR="0" algn="ctr">
+                        <a:lnSpc>
+                          <a:spcPct val="107000"/>
+                        </a:lnSpc>
+                        <a:spcBef>
+                          <a:spcPts val="0"/>
+                        </a:spcBef>
+                        <a:spcAft>
+                          <a:spcPts val="800"/>
+                        </a:spcAft>
+                      </a:pPr>
+                      <a:r>
+                        <a:rPr lang="en-US" sz="1100">
+                          <a:effectLst/>
+                        </a:rPr>
+                        <a:t>Rest15</a:t>
+                      </a:r>
+                      <a:endParaRPr lang="en-US" sz="1200">
+                        <a:effectLst/>
+                        <a:latin typeface="Times New Roman" panose="02020603050405020304" pitchFamily="18" charset="0"/>
+                        <a:ea typeface="Calibri" panose="020F0502020204030204" pitchFamily="34" charset="0"/>
+                        <a:cs typeface="Arial" panose="020B0604020202020204" pitchFamily="34" charset="0"/>
+                      </a:endParaRPr>
+                    </a:p>
+                  </a:txBody>
+                  <a:tcPr marL="9525" marR="9525" marT="9525" marB="0" anchor="b"/>
+                </a:tc>
+                <a:tc>
+                  <a:txBody>
+                    <a:bodyPr/>
+                    <a:lstStyle/>
+                    <a:p>
+                      <a:pPr marL="0" marR="0" algn="ctr">
+                        <a:lnSpc>
+                          <a:spcPct val="107000"/>
+                        </a:lnSpc>
+                        <a:spcBef>
+                          <a:spcPts val="0"/>
+                        </a:spcBef>
+                        <a:spcAft>
+                          <a:spcPts val="800"/>
+                        </a:spcAft>
+                      </a:pPr>
+                      <a:r>
+                        <a:rPr lang="en-US" sz="1100">
+                          <a:effectLst/>
+                        </a:rPr>
+                        <a:t>Rest16</a:t>
+                      </a:r>
+                      <a:endParaRPr lang="en-US" sz="1200">
+                        <a:effectLst/>
+                        <a:latin typeface="Times New Roman" panose="02020603050405020304" pitchFamily="18" charset="0"/>
+                        <a:ea typeface="Calibri" panose="020F0502020204030204" pitchFamily="34" charset="0"/>
+                        <a:cs typeface="Arial" panose="020B0604020202020204" pitchFamily="34" charset="0"/>
+                      </a:endParaRPr>
+                    </a:p>
+                  </a:txBody>
+                  <a:tcPr marL="9525" marR="9525" marT="9525" marB="0" anchor="b"/>
+                </a:tc>
+                <a:tc>
+                  <a:txBody>
+                    <a:bodyPr/>
+                    <a:lstStyle/>
+                    <a:p>
+                      <a:pPr marL="0" marR="0" algn="ctr">
+                        <a:lnSpc>
+                          <a:spcPct val="107000"/>
+                        </a:lnSpc>
+                        <a:spcBef>
+                          <a:spcPts val="0"/>
+                        </a:spcBef>
+                        <a:spcAft>
+                          <a:spcPts val="800"/>
+                        </a:spcAft>
+                      </a:pPr>
+                      <a:r>
+                        <a:rPr lang="en-US" sz="1100">
+                          <a:effectLst/>
+                        </a:rPr>
+                        <a:t>SEntFiN </a:t>
+                      </a:r>
+                      <a:endParaRPr lang="en-US" sz="1200">
+                        <a:effectLst/>
+                        <a:latin typeface="Times New Roman" panose="02020603050405020304" pitchFamily="18" charset="0"/>
+                        <a:ea typeface="Calibri" panose="020F0502020204030204" pitchFamily="34" charset="0"/>
+                        <a:cs typeface="Arial" panose="020B0604020202020204" pitchFamily="34" charset="0"/>
+                      </a:endParaRPr>
+                    </a:p>
+                  </a:txBody>
+                  <a:tcPr marL="9525" marR="9525" marT="9525" marB="0" anchor="b"/>
+                </a:tc>
+                <a:extLst>
+                  <a:ext uri="{0D108BD9-81ED-4DB2-BD59-A6C34878D82A}">
+                    <a16:rowId xmlns:a16="http://schemas.microsoft.com/office/drawing/2014/main" val="979875978"/>
+                  </a:ext>
+                </a:extLst>
+              </a:tr>
+              <a:tr h="180975">
+                <a:tc>
+                  <a:txBody>
+                    <a:bodyPr/>
+                    <a:lstStyle/>
+                    <a:p>
+                      <a:pPr marL="0" marR="0" algn="ctr">
+                        <a:lnSpc>
+                          <a:spcPct val="107000"/>
+                        </a:lnSpc>
+                        <a:spcBef>
+                          <a:spcPts val="0"/>
+                        </a:spcBef>
+                        <a:spcAft>
+                          <a:spcPts val="800"/>
+                        </a:spcAft>
+                      </a:pPr>
+                      <a:r>
+                        <a:rPr lang="en-US" sz="1100">
+                          <a:effectLst/>
+                        </a:rPr>
+                        <a:t>GPT2med</a:t>
+                      </a:r>
+                      <a:endParaRPr lang="en-US" sz="1200">
+                        <a:effectLst/>
+                        <a:latin typeface="Times New Roman" panose="02020603050405020304" pitchFamily="18" charset="0"/>
+                        <a:ea typeface="Calibri" panose="020F0502020204030204" pitchFamily="34" charset="0"/>
+                        <a:cs typeface="Arial" panose="020B0604020202020204" pitchFamily="34" charset="0"/>
+                      </a:endParaRPr>
+                    </a:p>
+                  </a:txBody>
+                  <a:tcPr marL="9525" marR="9525" marT="9525" marB="0" anchor="b"/>
+                </a:tc>
+                <a:tc>
+                  <a:txBody>
+                    <a:bodyPr/>
+                    <a:lstStyle/>
+                    <a:p>
+                      <a:pPr marL="0" marR="0" algn="ctr">
+                        <a:lnSpc>
+                          <a:spcPct val="107000"/>
+                        </a:lnSpc>
+                        <a:spcBef>
+                          <a:spcPts val="0"/>
+                        </a:spcBef>
+                        <a:spcAft>
+                          <a:spcPts val="800"/>
+                        </a:spcAft>
+                      </a:pPr>
+                      <a:r>
+                        <a:rPr lang="en-US" sz="1100">
+                          <a:effectLst/>
+                        </a:rPr>
+                        <a:t>82.04</a:t>
+                      </a:r>
+                      <a:endParaRPr lang="en-US" sz="1200">
+                        <a:effectLst/>
+                        <a:latin typeface="Times New Roman" panose="02020603050405020304" pitchFamily="18" charset="0"/>
+                        <a:ea typeface="Calibri" panose="020F0502020204030204" pitchFamily="34" charset="0"/>
+                        <a:cs typeface="Arial" panose="020B0604020202020204" pitchFamily="34" charset="0"/>
+                      </a:endParaRPr>
+                    </a:p>
+                  </a:txBody>
+                  <a:tcPr marL="9525" marR="9525" marT="9525" marB="0" anchor="b"/>
+                </a:tc>
+                <a:tc>
+                  <a:txBody>
+                    <a:bodyPr/>
+                    <a:lstStyle/>
+                    <a:p>
+                      <a:pPr marL="0" marR="0" algn="ctr">
+                        <a:lnSpc>
+                          <a:spcPct val="107000"/>
+                        </a:lnSpc>
+                        <a:spcBef>
+                          <a:spcPts val="0"/>
+                        </a:spcBef>
+                        <a:spcAft>
+                          <a:spcPts val="800"/>
+                        </a:spcAft>
+                      </a:pPr>
+                      <a:r>
+                        <a:rPr lang="en-US" sz="1100">
+                          <a:effectLst/>
+                        </a:rPr>
+                        <a:t>75.94</a:t>
+                      </a:r>
+                      <a:endParaRPr lang="en-US" sz="1200">
+                        <a:effectLst/>
+                        <a:latin typeface="Times New Roman" panose="02020603050405020304" pitchFamily="18" charset="0"/>
+                        <a:ea typeface="Calibri" panose="020F0502020204030204" pitchFamily="34" charset="0"/>
+                        <a:cs typeface="Arial" panose="020B0604020202020204" pitchFamily="34" charset="0"/>
+                      </a:endParaRPr>
+                    </a:p>
+                  </a:txBody>
+                  <a:tcPr marL="9525" marR="9525" marT="9525" marB="0" anchor="b"/>
+                </a:tc>
+                <a:tc>
+                  <a:txBody>
+                    <a:bodyPr/>
+                    <a:lstStyle/>
+                    <a:p>
+                      <a:pPr marL="0" marR="0" algn="ctr">
+                        <a:lnSpc>
+                          <a:spcPct val="107000"/>
+                        </a:lnSpc>
+                        <a:spcBef>
+                          <a:spcPts val="0"/>
+                        </a:spcBef>
+                        <a:spcAft>
+                          <a:spcPts val="800"/>
+                        </a:spcAft>
+                      </a:pPr>
+                      <a:r>
+                        <a:rPr lang="en-US" sz="1100">
+                          <a:effectLst/>
+                        </a:rPr>
+                        <a:t>NA</a:t>
+                      </a:r>
+                      <a:endParaRPr lang="en-US" sz="1200">
+                        <a:effectLst/>
+                        <a:latin typeface="Times New Roman" panose="02020603050405020304" pitchFamily="18" charset="0"/>
+                        <a:ea typeface="Calibri" panose="020F0502020204030204" pitchFamily="34" charset="0"/>
+                        <a:cs typeface="Arial" panose="020B0604020202020204" pitchFamily="34" charset="0"/>
+                      </a:endParaRPr>
+                    </a:p>
+                  </a:txBody>
+                  <a:tcPr marL="9525" marR="9525" marT="9525" marB="0" anchor="b"/>
+                </a:tc>
+                <a:tc>
+                  <a:txBody>
+                    <a:bodyPr/>
+                    <a:lstStyle/>
+                    <a:p>
+                      <a:pPr marL="0" marR="0" algn="ctr">
+                        <a:lnSpc>
+                          <a:spcPct val="107000"/>
+                        </a:lnSpc>
+                        <a:spcBef>
+                          <a:spcPts val="0"/>
+                        </a:spcBef>
+                        <a:spcAft>
+                          <a:spcPts val="800"/>
+                        </a:spcAft>
+                      </a:pPr>
+                      <a:r>
+                        <a:rPr lang="en-US" sz="1100">
+                          <a:effectLst/>
+                        </a:rPr>
+                        <a:t>NA</a:t>
+                      </a:r>
+                      <a:endParaRPr lang="en-US" sz="1200">
+                        <a:effectLst/>
+                        <a:latin typeface="Times New Roman" panose="02020603050405020304" pitchFamily="18" charset="0"/>
+                        <a:ea typeface="Calibri" panose="020F0502020204030204" pitchFamily="34" charset="0"/>
+                        <a:cs typeface="Arial" panose="020B0604020202020204" pitchFamily="34" charset="0"/>
+                      </a:endParaRPr>
+                    </a:p>
+                  </a:txBody>
+                  <a:tcPr marL="9525" marR="9525" marT="9525" marB="0" anchor="b"/>
+                </a:tc>
+                <a:tc>
+                  <a:txBody>
+                    <a:bodyPr/>
+                    <a:lstStyle/>
+                    <a:p>
+                      <a:pPr marL="0" marR="0">
+                        <a:lnSpc>
+                          <a:spcPct val="107000"/>
+                        </a:lnSpc>
+                        <a:spcBef>
+                          <a:spcPts val="0"/>
+                        </a:spcBef>
+                        <a:spcAft>
+                          <a:spcPts val="800"/>
+                        </a:spcAft>
+                      </a:pPr>
+                      <a:r>
+                        <a:rPr lang="en-US" sz="1100">
+                          <a:effectLst/>
+                        </a:rPr>
+                        <a:t>NA</a:t>
+                      </a:r>
+                      <a:endParaRPr lang="en-US" sz="1200">
+                        <a:effectLst/>
+                        <a:latin typeface="Times New Roman" panose="02020603050405020304" pitchFamily="18" charset="0"/>
+                        <a:ea typeface="Calibri" panose="020F0502020204030204" pitchFamily="34" charset="0"/>
+                        <a:cs typeface="Arial" panose="020B0604020202020204" pitchFamily="34" charset="0"/>
+                      </a:endParaRPr>
+                    </a:p>
+                  </a:txBody>
+                  <a:tcPr marL="9525" marR="9525" marT="9525" marB="0" anchor="b"/>
+                </a:tc>
+                <a:extLst>
+                  <a:ext uri="{0D108BD9-81ED-4DB2-BD59-A6C34878D82A}">
+                    <a16:rowId xmlns:a16="http://schemas.microsoft.com/office/drawing/2014/main" val="885936350"/>
+                  </a:ext>
+                </a:extLst>
+              </a:tr>
+              <a:tr h="180975">
+                <a:tc>
+                  <a:txBody>
+                    <a:bodyPr/>
+                    <a:lstStyle/>
+                    <a:p>
+                      <a:pPr marL="0" marR="0" algn="ctr">
+                        <a:lnSpc>
+                          <a:spcPct val="107000"/>
+                        </a:lnSpc>
+                        <a:spcBef>
+                          <a:spcPts val="0"/>
+                        </a:spcBef>
+                        <a:spcAft>
+                          <a:spcPts val="800"/>
+                        </a:spcAft>
+                      </a:pPr>
+                      <a:r>
+                        <a:rPr lang="en-US" sz="1100">
+                          <a:effectLst/>
+                        </a:rPr>
+                        <a:t>GRACE</a:t>
+                      </a:r>
+                      <a:endParaRPr lang="en-US" sz="1200">
+                        <a:effectLst/>
+                        <a:latin typeface="Times New Roman" panose="02020603050405020304" pitchFamily="18" charset="0"/>
+                        <a:ea typeface="Calibri" panose="020F0502020204030204" pitchFamily="34" charset="0"/>
+                        <a:cs typeface="Arial" panose="020B0604020202020204" pitchFamily="34" charset="0"/>
+                      </a:endParaRPr>
+                    </a:p>
+                  </a:txBody>
+                  <a:tcPr marL="9525" marR="9525" marT="9525" marB="0" anchor="b"/>
+                </a:tc>
+                <a:tc>
+                  <a:txBody>
+                    <a:bodyPr/>
+                    <a:lstStyle/>
+                    <a:p>
+                      <a:pPr marL="0" marR="0" algn="ctr">
+                        <a:lnSpc>
+                          <a:spcPct val="107000"/>
+                        </a:lnSpc>
+                        <a:spcBef>
+                          <a:spcPts val="0"/>
+                        </a:spcBef>
+                        <a:spcAft>
+                          <a:spcPts val="800"/>
+                        </a:spcAft>
+                      </a:pPr>
+                      <a:r>
+                        <a:rPr lang="en-US" sz="1100">
+                          <a:effectLst/>
+                        </a:rPr>
+                        <a:t>87.93</a:t>
+                      </a:r>
+                      <a:endParaRPr lang="en-US" sz="1200">
+                        <a:effectLst/>
+                        <a:latin typeface="Times New Roman" panose="02020603050405020304" pitchFamily="18" charset="0"/>
+                        <a:ea typeface="Calibri" panose="020F0502020204030204" pitchFamily="34" charset="0"/>
+                        <a:cs typeface="Arial" panose="020B0604020202020204" pitchFamily="34" charset="0"/>
+                      </a:endParaRPr>
+                    </a:p>
+                  </a:txBody>
+                  <a:tcPr marL="9525" marR="9525" marT="9525" marB="0" anchor="b"/>
+                </a:tc>
+                <a:tc>
+                  <a:txBody>
+                    <a:bodyPr/>
+                    <a:lstStyle/>
+                    <a:p>
+                      <a:pPr marL="0" marR="0" algn="ctr">
+                        <a:lnSpc>
+                          <a:spcPct val="107000"/>
+                        </a:lnSpc>
+                        <a:spcBef>
+                          <a:spcPts val="0"/>
+                        </a:spcBef>
+                        <a:spcAft>
+                          <a:spcPts val="800"/>
+                        </a:spcAft>
+                      </a:pPr>
+                      <a:r>
+                        <a:rPr lang="en-US" sz="1100">
+                          <a:effectLst/>
+                        </a:rPr>
+                        <a:t>85.45</a:t>
+                      </a:r>
+                      <a:endParaRPr lang="en-US" sz="1200">
+                        <a:effectLst/>
+                        <a:latin typeface="Times New Roman" panose="02020603050405020304" pitchFamily="18" charset="0"/>
+                        <a:ea typeface="Calibri" panose="020F0502020204030204" pitchFamily="34" charset="0"/>
+                        <a:cs typeface="Arial" panose="020B0604020202020204" pitchFamily="34" charset="0"/>
+                      </a:endParaRPr>
+                    </a:p>
+                  </a:txBody>
+                  <a:tcPr marL="9525" marR="9525" marT="9525" marB="0" anchor="b"/>
+                </a:tc>
+                <a:tc>
+                  <a:txBody>
+                    <a:bodyPr/>
+                    <a:lstStyle/>
+                    <a:p>
+                      <a:pPr marL="0" marR="0" algn="ctr">
+                        <a:lnSpc>
+                          <a:spcPct val="107000"/>
+                        </a:lnSpc>
+                        <a:spcBef>
+                          <a:spcPts val="0"/>
+                        </a:spcBef>
+                        <a:spcAft>
+                          <a:spcPts val="800"/>
+                        </a:spcAft>
+                      </a:pPr>
+                      <a:r>
+                        <a:rPr lang="en-US" sz="1100">
+                          <a:effectLst/>
+                        </a:rPr>
+                        <a:t>NA</a:t>
+                      </a:r>
+                      <a:endParaRPr lang="en-US" sz="1200">
+                        <a:effectLst/>
+                        <a:latin typeface="Times New Roman" panose="02020603050405020304" pitchFamily="18" charset="0"/>
+                        <a:ea typeface="Calibri" panose="020F0502020204030204" pitchFamily="34" charset="0"/>
+                        <a:cs typeface="Arial" panose="020B0604020202020204" pitchFamily="34" charset="0"/>
+                      </a:endParaRPr>
+                    </a:p>
+                  </a:txBody>
+                  <a:tcPr marL="9525" marR="9525" marT="9525" marB="0" anchor="b"/>
+                </a:tc>
+                <a:tc>
+                  <a:txBody>
+                    <a:bodyPr/>
+                    <a:lstStyle/>
+                    <a:p>
+                      <a:pPr marL="0" marR="0" algn="ctr">
+                        <a:lnSpc>
+                          <a:spcPct val="107000"/>
+                        </a:lnSpc>
+                        <a:spcBef>
+                          <a:spcPts val="0"/>
+                        </a:spcBef>
+                        <a:spcAft>
+                          <a:spcPts val="800"/>
+                        </a:spcAft>
+                      </a:pPr>
+                      <a:r>
+                        <a:rPr lang="en-US" sz="1100">
+                          <a:effectLst/>
+                        </a:rPr>
+                        <a:t>NA</a:t>
+                      </a:r>
+                      <a:endParaRPr lang="en-US" sz="1200">
+                        <a:effectLst/>
+                        <a:latin typeface="Times New Roman" panose="02020603050405020304" pitchFamily="18" charset="0"/>
+                        <a:ea typeface="Calibri" panose="020F0502020204030204" pitchFamily="34" charset="0"/>
+                        <a:cs typeface="Arial" panose="020B0604020202020204" pitchFamily="34" charset="0"/>
+                      </a:endParaRPr>
+                    </a:p>
+                  </a:txBody>
+                  <a:tcPr marL="9525" marR="9525" marT="9525" marB="0" anchor="b"/>
+                </a:tc>
+                <a:tc>
+                  <a:txBody>
+                    <a:bodyPr/>
+                    <a:lstStyle/>
+                    <a:p>
+                      <a:pPr marL="0" marR="0">
+                        <a:lnSpc>
+                          <a:spcPct val="107000"/>
+                        </a:lnSpc>
+                        <a:spcBef>
+                          <a:spcPts val="0"/>
+                        </a:spcBef>
+                        <a:spcAft>
+                          <a:spcPts val="800"/>
+                        </a:spcAft>
+                      </a:pPr>
+                      <a:r>
+                        <a:rPr lang="en-US" sz="1100">
+                          <a:effectLst/>
+                        </a:rPr>
+                        <a:t>NA</a:t>
+                      </a:r>
+                      <a:endParaRPr lang="en-US" sz="1200">
+                        <a:effectLst/>
+                        <a:latin typeface="Times New Roman" panose="02020603050405020304" pitchFamily="18" charset="0"/>
+                        <a:ea typeface="Calibri" panose="020F0502020204030204" pitchFamily="34" charset="0"/>
+                        <a:cs typeface="Arial" panose="020B0604020202020204" pitchFamily="34" charset="0"/>
+                      </a:endParaRPr>
+                    </a:p>
+                  </a:txBody>
+                  <a:tcPr marL="9525" marR="9525" marT="9525" marB="0" anchor="b"/>
+                </a:tc>
+                <a:extLst>
+                  <a:ext uri="{0D108BD9-81ED-4DB2-BD59-A6C34878D82A}">
+                    <a16:rowId xmlns:a16="http://schemas.microsoft.com/office/drawing/2014/main" val="2431455567"/>
+                  </a:ext>
+                </a:extLst>
+              </a:tr>
+              <a:tr h="180975">
+                <a:tc>
+                  <a:txBody>
+                    <a:bodyPr/>
+                    <a:lstStyle/>
+                    <a:p>
+                      <a:pPr marL="0" marR="0" algn="ctr">
+                        <a:lnSpc>
+                          <a:spcPct val="107000"/>
+                        </a:lnSpc>
+                        <a:spcBef>
+                          <a:spcPts val="0"/>
+                        </a:spcBef>
+                        <a:spcAft>
+                          <a:spcPts val="800"/>
+                        </a:spcAft>
+                      </a:pPr>
+                      <a:r>
+                        <a:rPr lang="en-US" sz="1100">
+                          <a:effectLst/>
+                        </a:rPr>
+                        <a:t>BARTABSA</a:t>
+                      </a:r>
+                      <a:endParaRPr lang="en-US" sz="1200">
+                        <a:effectLst/>
+                        <a:latin typeface="Times New Roman" panose="02020603050405020304" pitchFamily="18" charset="0"/>
+                        <a:ea typeface="Calibri" panose="020F0502020204030204" pitchFamily="34" charset="0"/>
+                        <a:cs typeface="Arial" panose="020B0604020202020204" pitchFamily="34" charset="0"/>
+                      </a:endParaRPr>
+                    </a:p>
+                  </a:txBody>
+                  <a:tcPr marL="9525" marR="9525" marT="9525" marB="0" anchor="b"/>
+                </a:tc>
+                <a:tc>
+                  <a:txBody>
+                    <a:bodyPr/>
+                    <a:lstStyle/>
+                    <a:p>
+                      <a:pPr marL="0" marR="0" algn="ctr">
+                        <a:lnSpc>
+                          <a:spcPct val="107000"/>
+                        </a:lnSpc>
+                        <a:spcBef>
+                          <a:spcPts val="0"/>
+                        </a:spcBef>
+                        <a:spcAft>
+                          <a:spcPts val="800"/>
+                        </a:spcAft>
+                      </a:pPr>
+                      <a:r>
+                        <a:rPr lang="en-US" sz="1100">
+                          <a:effectLst/>
+                        </a:rPr>
+                        <a:t>83.52</a:t>
+                      </a:r>
+                      <a:endParaRPr lang="en-US" sz="1200">
+                        <a:effectLst/>
+                        <a:latin typeface="Times New Roman" panose="02020603050405020304" pitchFamily="18" charset="0"/>
+                        <a:ea typeface="Calibri" panose="020F0502020204030204" pitchFamily="34" charset="0"/>
+                        <a:cs typeface="Arial" panose="020B0604020202020204" pitchFamily="34" charset="0"/>
+                      </a:endParaRPr>
+                    </a:p>
+                  </a:txBody>
+                  <a:tcPr marL="9525" marR="9525" marT="9525" marB="0" anchor="b"/>
+                </a:tc>
+                <a:tc>
+                  <a:txBody>
+                    <a:bodyPr/>
+                    <a:lstStyle/>
+                    <a:p>
+                      <a:pPr marL="0" marR="0" algn="ctr">
+                        <a:lnSpc>
+                          <a:spcPct val="107000"/>
+                        </a:lnSpc>
+                        <a:spcBef>
+                          <a:spcPts val="0"/>
+                        </a:spcBef>
+                        <a:spcAft>
+                          <a:spcPts val="800"/>
+                        </a:spcAft>
+                      </a:pPr>
+                      <a:r>
+                        <a:rPr lang="en-US" sz="1100">
+                          <a:effectLst/>
+                        </a:rPr>
+                        <a:t>87.07</a:t>
+                      </a:r>
+                      <a:endParaRPr lang="en-US" sz="1200">
+                        <a:effectLst/>
+                        <a:latin typeface="Times New Roman" panose="02020603050405020304" pitchFamily="18" charset="0"/>
+                        <a:ea typeface="Calibri" panose="020F0502020204030204" pitchFamily="34" charset="0"/>
+                        <a:cs typeface="Arial" panose="020B0604020202020204" pitchFamily="34" charset="0"/>
+                      </a:endParaRPr>
+                    </a:p>
+                  </a:txBody>
+                  <a:tcPr marL="9525" marR="9525" marT="9525" marB="0" anchor="b"/>
+                </a:tc>
+                <a:tc>
+                  <a:txBody>
+                    <a:bodyPr/>
+                    <a:lstStyle/>
+                    <a:p>
+                      <a:pPr marL="0" marR="0" algn="ctr">
+                        <a:lnSpc>
+                          <a:spcPct val="107000"/>
+                        </a:lnSpc>
+                        <a:spcBef>
+                          <a:spcPts val="0"/>
+                        </a:spcBef>
+                        <a:spcAft>
+                          <a:spcPts val="800"/>
+                        </a:spcAft>
+                      </a:pPr>
+                      <a:r>
+                        <a:rPr lang="en-US" sz="1100">
+                          <a:effectLst/>
+                        </a:rPr>
+                        <a:t>75.54</a:t>
+                      </a:r>
+                      <a:endParaRPr lang="en-US" sz="1200">
+                        <a:effectLst/>
+                        <a:latin typeface="Times New Roman" panose="02020603050405020304" pitchFamily="18" charset="0"/>
+                        <a:ea typeface="Calibri" panose="020F0502020204030204" pitchFamily="34" charset="0"/>
+                        <a:cs typeface="Arial" panose="020B0604020202020204" pitchFamily="34" charset="0"/>
+                      </a:endParaRPr>
+                    </a:p>
+                  </a:txBody>
+                  <a:tcPr marL="9525" marR="9525" marT="9525" marB="0" anchor="b"/>
+                </a:tc>
+                <a:tc>
+                  <a:txBody>
+                    <a:bodyPr/>
+                    <a:lstStyle/>
+                    <a:p>
+                      <a:pPr marL="0" marR="0" algn="ctr">
+                        <a:lnSpc>
+                          <a:spcPct val="107000"/>
+                        </a:lnSpc>
+                        <a:spcBef>
+                          <a:spcPts val="0"/>
+                        </a:spcBef>
+                        <a:spcAft>
+                          <a:spcPts val="800"/>
+                        </a:spcAft>
+                      </a:pPr>
+                      <a:r>
+                        <a:rPr lang="en-US" sz="1100">
+                          <a:effectLst/>
+                        </a:rPr>
+                        <a:t>NA</a:t>
+                      </a:r>
+                      <a:endParaRPr lang="en-US" sz="1200">
+                        <a:effectLst/>
+                        <a:latin typeface="Times New Roman" panose="02020603050405020304" pitchFamily="18" charset="0"/>
+                        <a:ea typeface="Calibri" panose="020F0502020204030204" pitchFamily="34" charset="0"/>
+                        <a:cs typeface="Arial" panose="020B0604020202020204" pitchFamily="34" charset="0"/>
+                      </a:endParaRPr>
+                    </a:p>
+                  </a:txBody>
+                  <a:tcPr marL="9525" marR="9525" marT="9525" marB="0" anchor="b"/>
+                </a:tc>
+                <a:tc>
+                  <a:txBody>
+                    <a:bodyPr/>
+                    <a:lstStyle/>
+                    <a:p>
+                      <a:pPr marL="0" marR="0">
+                        <a:lnSpc>
+                          <a:spcPct val="107000"/>
+                        </a:lnSpc>
+                        <a:spcBef>
+                          <a:spcPts val="0"/>
+                        </a:spcBef>
+                        <a:spcAft>
+                          <a:spcPts val="800"/>
+                        </a:spcAft>
+                      </a:pPr>
+                      <a:r>
+                        <a:rPr lang="en-US" sz="1100">
+                          <a:effectLst/>
+                        </a:rPr>
+                        <a:t>NA</a:t>
+                      </a:r>
+                      <a:endParaRPr lang="en-US" sz="1200">
+                        <a:effectLst/>
+                        <a:latin typeface="Times New Roman" panose="02020603050405020304" pitchFamily="18" charset="0"/>
+                        <a:ea typeface="Calibri" panose="020F0502020204030204" pitchFamily="34" charset="0"/>
+                        <a:cs typeface="Arial" panose="020B0604020202020204" pitchFamily="34" charset="0"/>
+                      </a:endParaRPr>
+                    </a:p>
+                  </a:txBody>
+                  <a:tcPr marL="9525" marR="9525" marT="9525" marB="0" anchor="b"/>
+                </a:tc>
+                <a:extLst>
+                  <a:ext uri="{0D108BD9-81ED-4DB2-BD59-A6C34878D82A}">
+                    <a16:rowId xmlns:a16="http://schemas.microsoft.com/office/drawing/2014/main" val="4164002383"/>
+                  </a:ext>
+                </a:extLst>
+              </a:tr>
+              <a:tr h="190500">
+                <a:tc>
+                  <a:txBody>
+                    <a:bodyPr/>
+                    <a:lstStyle/>
+                    <a:p>
+                      <a:pPr marL="0" marR="0" algn="ctr">
+                        <a:lnSpc>
+                          <a:spcPct val="107000"/>
+                        </a:lnSpc>
+                        <a:spcBef>
+                          <a:spcPts val="0"/>
+                        </a:spcBef>
+                        <a:spcAft>
+                          <a:spcPts val="800"/>
+                        </a:spcAft>
+                      </a:pPr>
+                      <a:r>
+                        <a:rPr lang="en-US" sz="1100">
+                          <a:effectLst/>
+                        </a:rPr>
+                        <a:t>IT-MTL</a:t>
+                      </a:r>
+                      <a:endParaRPr lang="en-US" sz="1200">
+                        <a:effectLst/>
+                        <a:latin typeface="Times New Roman" panose="02020603050405020304" pitchFamily="18" charset="0"/>
+                        <a:ea typeface="Calibri" panose="020F0502020204030204" pitchFamily="34" charset="0"/>
+                        <a:cs typeface="Arial" panose="020B0604020202020204" pitchFamily="34" charset="0"/>
+                      </a:endParaRPr>
+                    </a:p>
+                  </a:txBody>
+                  <a:tcPr marL="9525" marR="9525" marT="9525" marB="0" anchor="b"/>
+                </a:tc>
+                <a:tc>
+                  <a:txBody>
+                    <a:bodyPr/>
+                    <a:lstStyle/>
+                    <a:p>
+                      <a:pPr marL="0" marR="0" algn="ctr">
+                        <a:lnSpc>
+                          <a:spcPct val="107000"/>
+                        </a:lnSpc>
+                        <a:spcBef>
+                          <a:spcPts val="0"/>
+                        </a:spcBef>
+                        <a:spcAft>
+                          <a:spcPts val="800"/>
+                        </a:spcAft>
+                      </a:pPr>
+                      <a:r>
+                        <a:rPr lang="en-US" sz="1100">
+                          <a:effectLst/>
+                        </a:rPr>
+                        <a:t>76.93</a:t>
+                      </a:r>
+                      <a:endParaRPr lang="en-US" sz="1200">
+                        <a:effectLst/>
+                        <a:latin typeface="Times New Roman" panose="02020603050405020304" pitchFamily="18" charset="0"/>
+                        <a:ea typeface="Calibri" panose="020F0502020204030204" pitchFamily="34" charset="0"/>
+                        <a:cs typeface="Arial" panose="020B0604020202020204" pitchFamily="34" charset="0"/>
+                      </a:endParaRPr>
+                    </a:p>
+                  </a:txBody>
+                  <a:tcPr marL="9525" marR="9525" marT="9525" marB="0" anchor="b"/>
+                </a:tc>
+                <a:tc>
+                  <a:txBody>
+                    <a:bodyPr/>
+                    <a:lstStyle/>
+                    <a:p>
+                      <a:pPr marL="0" marR="0" algn="ctr">
+                        <a:lnSpc>
+                          <a:spcPct val="107000"/>
+                        </a:lnSpc>
+                        <a:spcBef>
+                          <a:spcPts val="0"/>
+                        </a:spcBef>
+                        <a:spcAft>
+                          <a:spcPts val="800"/>
+                        </a:spcAft>
+                      </a:pPr>
+                      <a:r>
+                        <a:rPr lang="en-US" sz="1100">
+                          <a:effectLst/>
+                        </a:rPr>
+                        <a:t>NA</a:t>
+                      </a:r>
+                      <a:endParaRPr lang="en-US" sz="1200">
+                        <a:effectLst/>
+                        <a:latin typeface="Times New Roman" panose="02020603050405020304" pitchFamily="18" charset="0"/>
+                        <a:ea typeface="Calibri" panose="020F0502020204030204" pitchFamily="34" charset="0"/>
+                        <a:cs typeface="Arial" panose="020B0604020202020204" pitchFamily="34" charset="0"/>
+                      </a:endParaRPr>
+                    </a:p>
+                  </a:txBody>
+                  <a:tcPr marL="9525" marR="9525" marT="9525" marB="0" anchor="b"/>
+                </a:tc>
+                <a:tc>
+                  <a:txBody>
+                    <a:bodyPr/>
+                    <a:lstStyle/>
+                    <a:p>
+                      <a:pPr marL="0" marR="0" algn="ctr">
+                        <a:lnSpc>
+                          <a:spcPct val="107000"/>
+                        </a:lnSpc>
+                        <a:spcBef>
+                          <a:spcPts val="0"/>
+                        </a:spcBef>
+                        <a:spcAft>
+                          <a:spcPts val="800"/>
+                        </a:spcAft>
+                      </a:pPr>
+                      <a:r>
+                        <a:rPr lang="en-US" sz="1100">
+                          <a:effectLst/>
+                        </a:rPr>
+                        <a:t>74.03</a:t>
+                      </a:r>
+                      <a:endParaRPr lang="en-US" sz="1200">
+                        <a:effectLst/>
+                        <a:latin typeface="Times New Roman" panose="02020603050405020304" pitchFamily="18" charset="0"/>
+                        <a:ea typeface="Calibri" panose="020F0502020204030204" pitchFamily="34" charset="0"/>
+                        <a:cs typeface="Arial" panose="020B0604020202020204" pitchFamily="34" charset="0"/>
+                      </a:endParaRPr>
+                    </a:p>
+                  </a:txBody>
+                  <a:tcPr marL="9525" marR="9525" marT="9525" marB="0" anchor="b"/>
+                </a:tc>
+                <a:tc>
+                  <a:txBody>
+                    <a:bodyPr/>
+                    <a:lstStyle/>
+                    <a:p>
+                      <a:pPr marL="0" marR="0" algn="ctr">
+                        <a:lnSpc>
+                          <a:spcPct val="107000"/>
+                        </a:lnSpc>
+                        <a:spcBef>
+                          <a:spcPts val="0"/>
+                        </a:spcBef>
+                        <a:spcAft>
+                          <a:spcPts val="800"/>
+                        </a:spcAft>
+                      </a:pPr>
+                      <a:r>
+                        <a:rPr lang="en-US" sz="1100">
+                          <a:effectLst/>
+                        </a:rPr>
+                        <a:t>79.41</a:t>
+                      </a:r>
+                      <a:endParaRPr lang="en-US" sz="1200">
+                        <a:effectLst/>
+                        <a:latin typeface="Times New Roman" panose="02020603050405020304" pitchFamily="18" charset="0"/>
+                        <a:ea typeface="Calibri" panose="020F0502020204030204" pitchFamily="34" charset="0"/>
+                        <a:cs typeface="Arial" panose="020B0604020202020204" pitchFamily="34" charset="0"/>
+                      </a:endParaRPr>
+                    </a:p>
+                  </a:txBody>
+                  <a:tcPr marL="9525" marR="9525" marT="9525" marB="0" anchor="b"/>
+                </a:tc>
+                <a:tc>
+                  <a:txBody>
+                    <a:bodyPr/>
+                    <a:lstStyle/>
+                    <a:p>
+                      <a:pPr marL="0" marR="0">
+                        <a:lnSpc>
+                          <a:spcPct val="107000"/>
+                        </a:lnSpc>
+                        <a:spcBef>
+                          <a:spcPts val="0"/>
+                        </a:spcBef>
+                        <a:spcAft>
+                          <a:spcPts val="800"/>
+                        </a:spcAft>
+                      </a:pPr>
+                      <a:r>
+                        <a:rPr lang="en-US" sz="1100">
+                          <a:effectLst/>
+                        </a:rPr>
+                        <a:t>NA</a:t>
+                      </a:r>
+                      <a:endParaRPr lang="en-US" sz="1200">
+                        <a:effectLst/>
+                        <a:latin typeface="Times New Roman" panose="02020603050405020304" pitchFamily="18" charset="0"/>
+                        <a:ea typeface="Calibri" panose="020F0502020204030204" pitchFamily="34" charset="0"/>
+                        <a:cs typeface="Arial" panose="020B0604020202020204" pitchFamily="34" charset="0"/>
+                      </a:endParaRPr>
+                    </a:p>
+                  </a:txBody>
+                  <a:tcPr marL="9525" marR="9525" marT="9525" marB="0" anchor="b"/>
+                </a:tc>
+                <a:extLst>
+                  <a:ext uri="{0D108BD9-81ED-4DB2-BD59-A6C34878D82A}">
+                    <a16:rowId xmlns:a16="http://schemas.microsoft.com/office/drawing/2014/main" val="1282506496"/>
+                  </a:ext>
+                </a:extLst>
+              </a:tr>
+              <a:tr h="190500">
+                <a:tc>
+                  <a:txBody>
+                    <a:bodyPr/>
+                    <a:lstStyle/>
+                    <a:p>
+                      <a:pPr marL="0" marR="0" algn="ctr">
+                        <a:lnSpc>
+                          <a:spcPct val="107000"/>
+                        </a:lnSpc>
+                        <a:spcBef>
+                          <a:spcPts val="0"/>
+                        </a:spcBef>
+                        <a:spcAft>
+                          <a:spcPts val="800"/>
+                        </a:spcAft>
+                      </a:pPr>
+                      <a:r>
+                        <a:rPr lang="en-US" sz="1100">
+                          <a:effectLst/>
+                        </a:rPr>
+                        <a:t>Inst ABSA</a:t>
+                      </a:r>
+                      <a:endParaRPr lang="en-US" sz="1200">
+                        <a:effectLst/>
+                        <a:latin typeface="Times New Roman" panose="02020603050405020304" pitchFamily="18" charset="0"/>
+                        <a:ea typeface="Calibri" panose="020F0502020204030204" pitchFamily="34" charset="0"/>
+                        <a:cs typeface="Arial" panose="020B0604020202020204" pitchFamily="34" charset="0"/>
+                      </a:endParaRPr>
+                    </a:p>
+                  </a:txBody>
+                  <a:tcPr marL="9525" marR="9525" marT="9525" marB="0" anchor="b"/>
+                </a:tc>
+                <a:tc>
+                  <a:txBody>
+                    <a:bodyPr/>
+                    <a:lstStyle/>
+                    <a:p>
+                      <a:pPr marL="0" marR="0" algn="ctr">
+                        <a:lnSpc>
+                          <a:spcPct val="107000"/>
+                        </a:lnSpc>
+                        <a:spcBef>
+                          <a:spcPts val="0"/>
+                        </a:spcBef>
+                        <a:spcAft>
+                          <a:spcPts val="800"/>
+                        </a:spcAft>
+                      </a:pPr>
+                      <a:r>
+                        <a:rPr lang="en-US" sz="1100">
+                          <a:effectLst/>
+                        </a:rPr>
+                        <a:t>91.4</a:t>
+                      </a:r>
+                      <a:endParaRPr lang="en-US" sz="1200">
+                        <a:effectLst/>
+                        <a:latin typeface="Times New Roman" panose="02020603050405020304" pitchFamily="18" charset="0"/>
+                        <a:ea typeface="Calibri" panose="020F0502020204030204" pitchFamily="34" charset="0"/>
+                        <a:cs typeface="Arial" panose="020B0604020202020204" pitchFamily="34" charset="0"/>
+                      </a:endParaRPr>
+                    </a:p>
+                  </a:txBody>
+                  <a:tcPr marL="9525" marR="9525" marT="9525" marB="0" anchor="b"/>
+                </a:tc>
+                <a:tc>
+                  <a:txBody>
+                    <a:bodyPr/>
+                    <a:lstStyle/>
+                    <a:p>
+                      <a:pPr marL="0" marR="0" algn="ctr">
+                        <a:lnSpc>
+                          <a:spcPct val="107000"/>
+                        </a:lnSpc>
+                        <a:spcBef>
+                          <a:spcPts val="0"/>
+                        </a:spcBef>
+                        <a:spcAft>
+                          <a:spcPts val="800"/>
+                        </a:spcAft>
+                      </a:pPr>
+                      <a:r>
+                        <a:rPr lang="en-US" sz="1100">
+                          <a:effectLst/>
+                        </a:rPr>
+                        <a:t>92.76</a:t>
+                      </a:r>
+                      <a:endParaRPr lang="en-US" sz="1200">
+                        <a:effectLst/>
+                        <a:latin typeface="Times New Roman" panose="02020603050405020304" pitchFamily="18" charset="0"/>
+                        <a:ea typeface="Calibri" panose="020F0502020204030204" pitchFamily="34" charset="0"/>
+                        <a:cs typeface="Arial" panose="020B0604020202020204" pitchFamily="34" charset="0"/>
+                      </a:endParaRPr>
+                    </a:p>
+                  </a:txBody>
+                  <a:tcPr marL="9525" marR="9525" marT="9525" marB="0" anchor="b"/>
+                </a:tc>
+                <a:tc>
+                  <a:txBody>
+                    <a:bodyPr/>
+                    <a:lstStyle/>
+                    <a:p>
+                      <a:pPr marL="0" marR="0">
+                        <a:lnSpc>
+                          <a:spcPct val="107000"/>
+                        </a:lnSpc>
+                        <a:spcBef>
+                          <a:spcPts val="0"/>
+                        </a:spcBef>
+                        <a:spcAft>
+                          <a:spcPts val="800"/>
+                        </a:spcAft>
+                      </a:pPr>
+                      <a:r>
+                        <a:rPr lang="en-US" sz="1100">
+                          <a:effectLst/>
+                        </a:rPr>
+                        <a:t>75.23</a:t>
+                      </a:r>
+                      <a:endParaRPr lang="en-US" sz="1200">
+                        <a:effectLst/>
+                        <a:latin typeface="Times New Roman" panose="02020603050405020304" pitchFamily="18" charset="0"/>
+                        <a:ea typeface="Calibri" panose="020F0502020204030204" pitchFamily="34" charset="0"/>
+                        <a:cs typeface="Arial" panose="020B0604020202020204" pitchFamily="34" charset="0"/>
+                      </a:endParaRPr>
+                    </a:p>
+                  </a:txBody>
+                  <a:tcPr marL="9525" marR="9525" marT="9525" marB="0" anchor="b"/>
+                </a:tc>
+                <a:tc>
+                  <a:txBody>
+                    <a:bodyPr/>
+                    <a:lstStyle/>
+                    <a:p>
+                      <a:pPr marL="0" marR="0" algn="ctr">
+                        <a:lnSpc>
+                          <a:spcPct val="107000"/>
+                        </a:lnSpc>
+                        <a:spcBef>
+                          <a:spcPts val="0"/>
+                        </a:spcBef>
+                        <a:spcAft>
+                          <a:spcPts val="800"/>
+                        </a:spcAft>
+                      </a:pPr>
+                      <a:r>
+                        <a:rPr lang="en-US" sz="1100">
+                          <a:effectLst/>
+                        </a:rPr>
+                        <a:t>81.48</a:t>
+                      </a:r>
+                      <a:endParaRPr lang="en-US" sz="1200">
+                        <a:effectLst/>
+                        <a:latin typeface="Times New Roman" panose="02020603050405020304" pitchFamily="18" charset="0"/>
+                        <a:ea typeface="Calibri" panose="020F0502020204030204" pitchFamily="34" charset="0"/>
+                        <a:cs typeface="Arial" panose="020B0604020202020204" pitchFamily="34" charset="0"/>
+                      </a:endParaRPr>
+                    </a:p>
+                  </a:txBody>
+                  <a:tcPr marL="9525" marR="9525" marT="9525" marB="0" anchor="b"/>
+                </a:tc>
+                <a:tc>
+                  <a:txBody>
+                    <a:bodyPr/>
+                    <a:lstStyle/>
+                    <a:p>
+                      <a:pPr marL="0" marR="0" algn="ctr">
+                        <a:lnSpc>
+                          <a:spcPct val="107000"/>
+                        </a:lnSpc>
+                        <a:spcBef>
+                          <a:spcPts val="0"/>
+                        </a:spcBef>
+                        <a:spcAft>
+                          <a:spcPts val="800"/>
+                        </a:spcAft>
+                      </a:pPr>
+                      <a:r>
+                        <a:rPr lang="en-US" sz="1100" dirty="0">
+                          <a:effectLst/>
+                        </a:rPr>
+                        <a:t>74.16</a:t>
+                      </a:r>
+                      <a:endParaRPr lang="en-US" sz="1200" dirty="0">
+                        <a:effectLst/>
+                        <a:latin typeface="Times New Roman" panose="02020603050405020304" pitchFamily="18" charset="0"/>
+                        <a:ea typeface="Calibri" panose="020F0502020204030204" pitchFamily="34" charset="0"/>
+                        <a:cs typeface="Arial" panose="020B0604020202020204" pitchFamily="34" charset="0"/>
+                      </a:endParaRPr>
+                    </a:p>
+                  </a:txBody>
+                  <a:tcPr marL="9525" marR="9525" marT="9525" marB="0" anchor="b"/>
+                </a:tc>
+                <a:extLst>
+                  <a:ext uri="{0D108BD9-81ED-4DB2-BD59-A6C34878D82A}">
+                    <a16:rowId xmlns:a16="http://schemas.microsoft.com/office/drawing/2014/main" val="3657682011"/>
+                  </a:ext>
+                </a:extLst>
+              </a:tr>
+            </a:tbl>
+          </a:graphicData>
+        </a:graphic>
+      </p:graphicFrame>
+    </p:spTree>
+    <p:extLst>
+      <p:ext uri="{BB962C8B-B14F-4D97-AF65-F5344CB8AC3E}">
+        <p14:creationId xmlns:p14="http://schemas.microsoft.com/office/powerpoint/2010/main" val="2648475884"/>
+      </p:ext>
+    </p:extLst>
+  </p:cSld>
+  <p:clrMapOvr>
+    <a:masterClrMapping/>
+  </p:clrMapOvr>
+</p:sld>
+</file>
+
+<file path=ppt/slides/slide15.xml><?xml version="1.0" encoding="utf-8"?>
+<p:sld xmlns:a="http://schemas.openxmlformats.org/drawingml/2006/main" xmlns:r="http://schemas.openxmlformats.org/officeDocument/2006/relationships" xmlns:p="http://schemas.openxmlformats.org/presentationml/2006/main">
+  <p:cSld>
+    <p:spTree>
+      <p:nvGrpSpPr>
+        <p:cNvPr id="1" name=""/>
+        <p:cNvGrpSpPr/>
+        <p:nvPr/>
+      </p:nvGrpSpPr>
+      <p:grpSpPr>
+        <a:xfrm>
+          <a:off x="0" y="0"/>
+          <a:ext cx="0" cy="0"/>
+          <a:chOff x="0" y="0"/>
+          <a:chExt cx="0" cy="0"/>
+        </a:xfrm>
+      </p:grpSpPr>
+      <p:sp>
+        <p:nvSpPr>
+          <p:cNvPr id="2" name="Title 1"/>
+          <p:cNvSpPr>
+            <a:spLocks noGrp="1"/>
+          </p:cNvSpPr>
+          <p:nvPr>
+            <p:ph type="title"/>
+          </p:nvPr>
+        </p:nvSpPr>
+        <p:spPr>
+          <a:xfrm>
+            <a:off x="734833" y="428735"/>
+            <a:ext cx="10515600" cy="573129"/>
+          </a:xfrm>
+        </p:spPr>
+        <p:txBody>
+          <a:bodyPr>
+            <a:normAutofit fontScale="90000"/>
+          </a:bodyPr>
+          <a:lstStyle/>
+          <a:p>
+            <a:endParaRPr lang="en-US" dirty="0"/>
+          </a:p>
+        </p:txBody>
+      </p:sp>
+      <p:pic>
+        <p:nvPicPr>
+          <p:cNvPr id="4" name="Content Placeholder 3"/>
+          <p:cNvPicPr>
+            <a:picLocks noGrp="1" noChangeAspect="1"/>
+          </p:cNvPicPr>
+          <p:nvPr>
+            <p:ph idx="1"/>
+          </p:nvPr>
+        </p:nvPicPr>
+        <p:blipFill>
+          <a:blip r:embed="rId2"/>
+          <a:stretch>
+            <a:fillRect/>
+          </a:stretch>
+        </p:blipFill>
+        <p:spPr>
+          <a:xfrm>
+            <a:off x="838200" y="2148734"/>
+            <a:ext cx="4958301" cy="2677708"/>
+          </a:xfrm>
+          <a:prstGeom prst="rect">
+            <a:avLst/>
+          </a:prstGeom>
+        </p:spPr>
+      </p:pic>
+      <p:pic>
+        <p:nvPicPr>
+          <p:cNvPr id="5" name="Picture 4"/>
+          <p:cNvPicPr>
+            <a:picLocks noChangeAspect="1"/>
+          </p:cNvPicPr>
+          <p:nvPr/>
+        </p:nvPicPr>
+        <p:blipFill>
+          <a:blip r:embed="rId3"/>
+          <a:stretch>
+            <a:fillRect/>
+          </a:stretch>
+        </p:blipFill>
+        <p:spPr>
+          <a:xfrm>
+            <a:off x="5080842" y="1121134"/>
+            <a:ext cx="5176341" cy="5629523"/>
+          </a:xfrm>
+          <a:prstGeom prst="rect">
+            <a:avLst/>
+          </a:prstGeom>
+        </p:spPr>
+      </p:pic>
+    </p:spTree>
+    <p:extLst>
+      <p:ext uri="{BB962C8B-B14F-4D97-AF65-F5344CB8AC3E}">
+        <p14:creationId xmlns:p14="http://schemas.microsoft.com/office/powerpoint/2010/main" val="3695197541"/>
+      </p:ext>
+    </p:extLst>
+  </p:cSld>
+  <p:clrMapOvr>
+    <a:masterClrMapping/>
+  </p:clrMapOvr>
+</p:sld>
+</file>
+
 <file path=ppt/slides/slide2.xml><?xml version="1.0" encoding="utf-8"?>
 <p:sld xmlns:a="http://schemas.openxmlformats.org/drawingml/2006/main" xmlns:r="http://schemas.openxmlformats.org/officeDocument/2006/relationships" xmlns:p="http://schemas.openxmlformats.org/presentationml/2006/main">
   <p:cSld>
@@ -3313,48 +6802,32 @@
           </a:p>
         </p:txBody>
       </p:sp>
-      <p:sp>
-        <p:nvSpPr>
-          <p:cNvPr id="3" name="Content Placeholder 2"/>
-          <p:cNvSpPr>
-            <a:spLocks noGrp="1"/>
-          </p:cNvSpPr>
+      <p:pic>
+        <p:nvPicPr>
+          <p:cNvPr id="7" name="Content Placeholder 6"/>
+          <p:cNvPicPr>
+            <a:picLocks noGrp="1" noChangeAspect="1"/>
+          </p:cNvPicPr>
           <p:nvPr>
             <p:ph idx="1"/>
           </p:nvPr>
-        </p:nvSpPr>
+        </p:nvPicPr>
+        <p:blipFill>
+          <a:blip r:embed="rId2"/>
+          <a:stretch>
+            <a:fillRect/>
+          </a:stretch>
+        </p:blipFill>
         <p:spPr>
           <a:xfrm>
-            <a:off x="990600" y="2830027"/>
-            <a:ext cx="10515600" cy="3262765"/>
+            <a:off x="6824870" y="2843030"/>
+            <a:ext cx="4341812" cy="2269870"/>
           </a:xfrm>
+          <a:prstGeom prst="rect">
+            <a:avLst/>
+          </a:prstGeom>
         </p:spPr>
-        <p:txBody>
-          <a:bodyPr/>
-          <a:lstStyle/>
-          <a:p>
-            <a:r>
-              <a:rPr lang="en-US" sz="1600" dirty="0"/>
-              <a:t>Transformer models, such as the T5 (Text-To-Text Transfer Transformer), have revolutionized Natural Language Processing tasks, including Sentiment Analysis.</a:t>
-            </a:r>
-          </a:p>
-          <a:p>
-            <a:r>
-              <a:rPr lang="en-US" sz="1600" dirty="0"/>
-              <a:t>These models excel due to their self-attention mechanism that allows them to understand the context of words and sentences.</a:t>
-            </a:r>
-          </a:p>
-          <a:p>
-            <a:r>
-              <a:rPr lang="en-US" sz="1600" dirty="0"/>
-              <a:t>T5 model is unique due to its "text-to-text" framework, where every language problem is cast as a text generation task.</a:t>
-            </a:r>
-          </a:p>
-          <a:p>
-            <a:endParaRPr lang="en-US" dirty="0"/>
-          </a:p>
-        </p:txBody>
-      </p:sp>
+      </p:pic>
       <p:sp>
         <p:nvSpPr>
           <p:cNvPr id="4" name="Content Placeholder 2"/>
@@ -3545,6 +7018,214 @@
               <a:rPr lang="en-US" dirty="0" smtClean="0"/>
               <a:t>Power of Transformer Models</a:t>
             </a:r>
+            <a:endParaRPr lang="en-US" dirty="0"/>
+          </a:p>
+        </p:txBody>
+      </p:sp>
+      <p:sp>
+        <p:nvSpPr>
+          <p:cNvPr id="5" name="Content Placeholder 2"/>
+          <p:cNvSpPr txBox="1">
+            <a:spLocks/>
+          </p:cNvSpPr>
+          <p:nvPr/>
+        </p:nvSpPr>
+        <p:spPr>
+          <a:xfrm>
+            <a:off x="1143000" y="2982427"/>
+            <a:ext cx="5529470" cy="3262765"/>
+          </a:xfrm>
+          <a:prstGeom prst="rect">
+            <a:avLst/>
+          </a:prstGeom>
+        </p:spPr>
+        <p:txBody>
+          <a:bodyPr vert="horz" lIns="91440" tIns="45720" rIns="91440" bIns="45720" rtlCol="0">
+            <a:normAutofit/>
+          </a:bodyPr>
+          <a:lstStyle>
+            <a:lvl1pPr marL="228600" indent="-228600" algn="l" defTabSz="914400" rtl="0" eaLnBrk="1" latinLnBrk="0" hangingPunct="1">
+              <a:lnSpc>
+                <a:spcPct val="90000"/>
+              </a:lnSpc>
+              <a:spcBef>
+                <a:spcPts val="1000"/>
+              </a:spcBef>
+              <a:buFont typeface="Arial" panose="020B0604020202020204" pitchFamily="34" charset="0"/>
+              <a:buChar char="•"/>
+              <a:defRPr sz="2800" kern="1200">
+                <a:solidFill>
+                  <a:schemeClr val="tx1"/>
+                </a:solidFill>
+                <a:latin typeface="+mn-lt"/>
+                <a:ea typeface="+mn-ea"/>
+                <a:cs typeface="+mn-cs"/>
+              </a:defRPr>
+            </a:lvl1pPr>
+            <a:lvl2pPr marL="685800" indent="-228600" algn="l" defTabSz="914400" rtl="0" eaLnBrk="1" latinLnBrk="0" hangingPunct="1">
+              <a:lnSpc>
+                <a:spcPct val="90000"/>
+              </a:lnSpc>
+              <a:spcBef>
+                <a:spcPts val="500"/>
+              </a:spcBef>
+              <a:buFont typeface="Arial" panose="020B0604020202020204" pitchFamily="34" charset="0"/>
+              <a:buChar char="•"/>
+              <a:defRPr sz="2400" kern="1200">
+                <a:solidFill>
+                  <a:schemeClr val="tx1"/>
+                </a:solidFill>
+                <a:latin typeface="+mn-lt"/>
+                <a:ea typeface="+mn-ea"/>
+                <a:cs typeface="+mn-cs"/>
+              </a:defRPr>
+            </a:lvl2pPr>
+            <a:lvl3pPr marL="1143000" indent="-228600" algn="l" defTabSz="914400" rtl="0" eaLnBrk="1" latinLnBrk="0" hangingPunct="1">
+              <a:lnSpc>
+                <a:spcPct val="90000"/>
+              </a:lnSpc>
+              <a:spcBef>
+                <a:spcPts val="500"/>
+              </a:spcBef>
+              <a:buFont typeface="Arial" panose="020B0604020202020204" pitchFamily="34" charset="0"/>
+              <a:buChar char="•"/>
+              <a:defRPr sz="2000" kern="1200">
+                <a:solidFill>
+                  <a:schemeClr val="tx1"/>
+                </a:solidFill>
+                <a:latin typeface="+mn-lt"/>
+                <a:ea typeface="+mn-ea"/>
+                <a:cs typeface="+mn-cs"/>
+              </a:defRPr>
+            </a:lvl3pPr>
+            <a:lvl4pPr marL="1600200" indent="-228600" algn="l" defTabSz="914400" rtl="0" eaLnBrk="1" latinLnBrk="0" hangingPunct="1">
+              <a:lnSpc>
+                <a:spcPct val="90000"/>
+              </a:lnSpc>
+              <a:spcBef>
+                <a:spcPts val="500"/>
+              </a:spcBef>
+              <a:buFont typeface="Arial" panose="020B0604020202020204" pitchFamily="34" charset="0"/>
+              <a:buChar char="•"/>
+              <a:defRPr sz="1800" kern="1200">
+                <a:solidFill>
+                  <a:schemeClr val="tx1"/>
+                </a:solidFill>
+                <a:latin typeface="+mn-lt"/>
+                <a:ea typeface="+mn-ea"/>
+                <a:cs typeface="+mn-cs"/>
+              </a:defRPr>
+            </a:lvl4pPr>
+            <a:lvl5pPr marL="2057400" indent="-228600" algn="l" defTabSz="914400" rtl="0" eaLnBrk="1" latinLnBrk="0" hangingPunct="1">
+              <a:lnSpc>
+                <a:spcPct val="90000"/>
+              </a:lnSpc>
+              <a:spcBef>
+                <a:spcPts val="500"/>
+              </a:spcBef>
+              <a:buFont typeface="Arial" panose="020B0604020202020204" pitchFamily="34" charset="0"/>
+              <a:buChar char="•"/>
+              <a:defRPr sz="1800" kern="1200">
+                <a:solidFill>
+                  <a:schemeClr val="tx1"/>
+                </a:solidFill>
+                <a:latin typeface="+mn-lt"/>
+                <a:ea typeface="+mn-ea"/>
+                <a:cs typeface="+mn-cs"/>
+              </a:defRPr>
+            </a:lvl5pPr>
+            <a:lvl6pPr marL="2514600" indent="-228600" algn="l" defTabSz="914400" rtl="0" eaLnBrk="1" latinLnBrk="0" hangingPunct="1">
+              <a:lnSpc>
+                <a:spcPct val="90000"/>
+              </a:lnSpc>
+              <a:spcBef>
+                <a:spcPts val="500"/>
+              </a:spcBef>
+              <a:buFont typeface="Arial" panose="020B0604020202020204" pitchFamily="34" charset="0"/>
+              <a:buChar char="•"/>
+              <a:defRPr sz="1800" kern="1200">
+                <a:solidFill>
+                  <a:schemeClr val="tx1"/>
+                </a:solidFill>
+                <a:latin typeface="+mn-lt"/>
+                <a:ea typeface="+mn-ea"/>
+                <a:cs typeface="+mn-cs"/>
+              </a:defRPr>
+            </a:lvl6pPr>
+            <a:lvl7pPr marL="2971800" indent="-228600" algn="l" defTabSz="914400" rtl="0" eaLnBrk="1" latinLnBrk="0" hangingPunct="1">
+              <a:lnSpc>
+                <a:spcPct val="90000"/>
+              </a:lnSpc>
+              <a:spcBef>
+                <a:spcPts val="500"/>
+              </a:spcBef>
+              <a:buFont typeface="Arial" panose="020B0604020202020204" pitchFamily="34" charset="0"/>
+              <a:buChar char="•"/>
+              <a:defRPr sz="1800" kern="1200">
+                <a:solidFill>
+                  <a:schemeClr val="tx1"/>
+                </a:solidFill>
+                <a:latin typeface="+mn-lt"/>
+                <a:ea typeface="+mn-ea"/>
+                <a:cs typeface="+mn-cs"/>
+              </a:defRPr>
+            </a:lvl7pPr>
+            <a:lvl8pPr marL="3429000" indent="-228600" algn="l" defTabSz="914400" rtl="0" eaLnBrk="1" latinLnBrk="0" hangingPunct="1">
+              <a:lnSpc>
+                <a:spcPct val="90000"/>
+              </a:lnSpc>
+              <a:spcBef>
+                <a:spcPts val="500"/>
+              </a:spcBef>
+              <a:buFont typeface="Arial" panose="020B0604020202020204" pitchFamily="34" charset="0"/>
+              <a:buChar char="•"/>
+              <a:defRPr sz="1800" kern="1200">
+                <a:solidFill>
+                  <a:schemeClr val="tx1"/>
+                </a:solidFill>
+                <a:latin typeface="+mn-lt"/>
+                <a:ea typeface="+mn-ea"/>
+                <a:cs typeface="+mn-cs"/>
+              </a:defRPr>
+            </a:lvl8pPr>
+            <a:lvl9pPr marL="3886200" indent="-228600" algn="l" defTabSz="914400" rtl="0" eaLnBrk="1" latinLnBrk="0" hangingPunct="1">
+              <a:lnSpc>
+                <a:spcPct val="90000"/>
+              </a:lnSpc>
+              <a:spcBef>
+                <a:spcPts val="500"/>
+              </a:spcBef>
+              <a:buFont typeface="Arial" panose="020B0604020202020204" pitchFamily="34" charset="0"/>
+              <a:buChar char="•"/>
+              <a:defRPr sz="1800" kern="1200">
+                <a:solidFill>
+                  <a:schemeClr val="tx1"/>
+                </a:solidFill>
+                <a:latin typeface="+mn-lt"/>
+                <a:ea typeface="+mn-ea"/>
+                <a:cs typeface="+mn-cs"/>
+              </a:defRPr>
+            </a:lvl9pPr>
+          </a:lstStyle>
+          <a:p>
+            <a:r>
+              <a:rPr lang="en-US" sz="1600" dirty="0" smtClean="0"/>
+              <a:t>Transformer models, such as the T5 (Text-To-Text Transfer Transformer), have revolutionized Natural Language Processing tasks, including Sentiment Analysis.</a:t>
+            </a:r>
+          </a:p>
+          <a:p>
+            <a:r>
+              <a:rPr lang="en-US" sz="1600" dirty="0" smtClean="0"/>
+              <a:t>These models excel due to their self-attention mechanism that allows them to understand the context of words and sentences.</a:t>
+            </a:r>
+          </a:p>
+          <a:p>
+            <a:r>
+              <a:rPr lang="en-US" sz="1600" dirty="0" smtClean="0"/>
+              <a:t>T5 model is unique due to its "text-to-text" framework, where every language problem is cast as a text generation task.</a:t>
+            </a:r>
+          </a:p>
+          <a:p>
             <a:endParaRPr lang="en-US" dirty="0"/>
           </a:p>
         </p:txBody>
@@ -3624,7 +7305,7 @@
         <p:spPr>
           <a:xfrm>
             <a:off x="838200" y="1825625"/>
-            <a:ext cx="10515600" cy="936826"/>
+            <a:ext cx="4481223" cy="726744"/>
           </a:xfrm>
         </p:spPr>
         <p:txBody>
@@ -3654,7 +7335,7 @@
         <p:spPr>
           <a:xfrm>
             <a:off x="838200" y="2762451"/>
-            <a:ext cx="10515600" cy="2560320"/>
+            <a:ext cx="10515600" cy="1944721"/>
           </a:xfrm>
           <a:prstGeom prst="rect">
             <a:avLst/>
@@ -4262,16 +7943,29 @@
         <p:spPr>
           <a:xfrm>
             <a:off x="838200" y="1825625"/>
-            <a:ext cx="10515600" cy="936826"/>
+            <a:ext cx="5347790" cy="451437"/>
           </a:xfrm>
         </p:spPr>
         <p:txBody>
           <a:bodyPr/>
           <a:lstStyle/>
           <a:p>
-            <a:r>
-              <a:rPr lang="en-US" dirty="0"/>
-              <a:t>Emergence of Transformer Models in NLP</a:t>
+            <a:pPr marL="0" indent="0">
+              <a:buNone/>
+            </a:pPr>
+            <a:r>
+              <a:rPr lang="en-US" sz="1400" dirty="0">
+                <a:latin typeface="Times New Roman" panose="02020603050405020304" pitchFamily="18" charset="0"/>
+                <a:cs typeface="Times New Roman" panose="02020603050405020304" pitchFamily="18" charset="0"/>
+              </a:rPr>
+              <a:t>Emergence of Transformer Models </a:t>
+            </a:r>
+            <a:r>
+              <a:rPr lang="en-US" sz="1400" dirty="0">
+                <a:latin typeface="Times New Roman" panose="02020603050405020304" pitchFamily="18" charset="0"/>
+                <a:cs typeface="Times New Roman" panose="02020603050405020304" pitchFamily="18" charset="0"/>
+              </a:rPr>
+              <a:t>in NLP</a:t>
             </a:r>
           </a:p>
         </p:txBody>
@@ -4287,7 +7981,7 @@
         <p:spPr>
           <a:xfrm>
             <a:off x="838200" y="2428975"/>
-            <a:ext cx="10515600" cy="3509812"/>
+            <a:ext cx="5109376" cy="2795032"/>
           </a:xfrm>
           <a:prstGeom prst="rect">
             <a:avLst/>
@@ -4463,48 +8157,289 @@
           </a:lstStyle>
           <a:p>
             <a:r>
-              <a:rPr lang="en-US" sz="2000" dirty="0"/>
+              <a:rPr lang="en-US" sz="1500" dirty="0">
+                <a:latin typeface="Times New Roman" panose="02020603050405020304" pitchFamily="18" charset="0"/>
+                <a:cs typeface="Times New Roman" panose="02020603050405020304" pitchFamily="18" charset="0"/>
+              </a:rPr>
               <a:t>"Attention is All You Need" (</a:t>
             </a:r>
             <a:r>
-              <a:rPr lang="en-US" sz="2000" dirty="0" err="1"/>
+              <a:rPr lang="en-US" sz="1500" dirty="0" err="1">
+                <a:latin typeface="Times New Roman" panose="02020603050405020304" pitchFamily="18" charset="0"/>
+                <a:cs typeface="Times New Roman" panose="02020603050405020304" pitchFamily="18" charset="0"/>
+              </a:rPr>
               <a:t>Vaswani</a:t>
             </a:r>
             <a:r>
-              <a:rPr lang="en-US" sz="2000" dirty="0"/>
+              <a:rPr lang="en-US" sz="1500" dirty="0">
+                <a:latin typeface="Times New Roman" panose="02020603050405020304" pitchFamily="18" charset="0"/>
+                <a:cs typeface="Times New Roman" panose="02020603050405020304" pitchFamily="18" charset="0"/>
+              </a:rPr>
               <a:t> et al., 2017) introduced Transformer models, revolutionizing NLP tasks, including sentiment analysis.</a:t>
             </a:r>
           </a:p>
           <a:p>
             <a:r>
-              <a:rPr lang="en-US" sz="2000" dirty="0"/>
+              <a:rPr lang="en-US" sz="1500" dirty="0">
+                <a:latin typeface="Times New Roman" panose="02020603050405020304" pitchFamily="18" charset="0"/>
+                <a:cs typeface="Times New Roman" panose="02020603050405020304" pitchFamily="18" charset="0"/>
+              </a:rPr>
               <a:t>BERT (Devlin et al., 2019) demonstrated the power of transformer models in NLP tasks. Variants such as </a:t>
             </a:r>
             <a:r>
-              <a:rPr lang="en-US" sz="2000" dirty="0" err="1"/>
+              <a:rPr lang="en-US" sz="1500" dirty="0" err="1">
+                <a:latin typeface="Times New Roman" panose="02020603050405020304" pitchFamily="18" charset="0"/>
+                <a:cs typeface="Times New Roman" panose="02020603050405020304" pitchFamily="18" charset="0"/>
+              </a:rPr>
               <a:t>RoBERTa</a:t>
             </a:r>
             <a:r>
-              <a:rPr lang="en-US" sz="2000" dirty="0"/>
+              <a:rPr lang="en-US" sz="1500" dirty="0">
+                <a:latin typeface="Times New Roman" panose="02020603050405020304" pitchFamily="18" charset="0"/>
+                <a:cs typeface="Times New Roman" panose="02020603050405020304" pitchFamily="18" charset="0"/>
+              </a:rPr>
               <a:t>, ALBERT, and ELECTRA further pushed the performance.</a:t>
             </a:r>
           </a:p>
           <a:p>
             <a:r>
-              <a:rPr lang="en-US" sz="2000" dirty="0"/>
+              <a:rPr lang="en-US" sz="1500" dirty="0">
+                <a:latin typeface="Times New Roman" panose="02020603050405020304" pitchFamily="18" charset="0"/>
+                <a:cs typeface="Times New Roman" panose="02020603050405020304" pitchFamily="18" charset="0"/>
+              </a:rPr>
               <a:t>T5 (</a:t>
             </a:r>
             <a:r>
-              <a:rPr lang="en-US" sz="2000" dirty="0" err="1"/>
+              <a:rPr lang="en-US" sz="1500" dirty="0" err="1">
+                <a:latin typeface="Times New Roman" panose="02020603050405020304" pitchFamily="18" charset="0"/>
+                <a:cs typeface="Times New Roman" panose="02020603050405020304" pitchFamily="18" charset="0"/>
+              </a:rPr>
               <a:t>Raffel</a:t>
             </a:r>
             <a:r>
-              <a:rPr lang="en-US" sz="2000" dirty="0"/>
+              <a:rPr lang="en-US" sz="1500" dirty="0">
+                <a:latin typeface="Times New Roman" panose="02020603050405020304" pitchFamily="18" charset="0"/>
+                <a:cs typeface="Times New Roman" panose="02020603050405020304" pitchFamily="18" charset="0"/>
+              </a:rPr>
               <a:t> et al., 2020) emerged as a versatile text-to-text transformer model capable of handling various NLP tasks effectively.</a:t>
             </a:r>
           </a:p>
         </p:txBody>
       </p:sp>
+      <p:sp>
+        <p:nvSpPr>
+          <p:cNvPr id="5" name="Content Placeholder 2"/>
+          <p:cNvSpPr txBox="1">
+            <a:spLocks/>
+          </p:cNvSpPr>
+          <p:nvPr/>
+        </p:nvSpPr>
+        <p:spPr>
+          <a:xfrm>
+            <a:off x="6114552" y="2428975"/>
+            <a:ext cx="4724401" cy="3509812"/>
+          </a:xfrm>
+          <a:prstGeom prst="rect">
+            <a:avLst/>
+          </a:prstGeom>
+        </p:spPr>
+        <p:txBody>
+          <a:bodyPr vert="horz" lIns="91440" tIns="45720" rIns="91440" bIns="45720" rtlCol="0">
+            <a:noAutofit/>
+          </a:bodyPr>
+          <a:lstStyle>
+            <a:lvl1pPr marL="228600" indent="-228600" algn="l" defTabSz="914400" rtl="0" eaLnBrk="1" latinLnBrk="0" hangingPunct="1">
+              <a:lnSpc>
+                <a:spcPct val="90000"/>
+              </a:lnSpc>
+              <a:spcBef>
+                <a:spcPts val="1000"/>
+              </a:spcBef>
+              <a:buFont typeface="Arial" panose="020B0604020202020204" pitchFamily="34" charset="0"/>
+              <a:buChar char="•"/>
+              <a:defRPr sz="2800" kern="1200">
+                <a:solidFill>
+                  <a:schemeClr val="tx1"/>
+                </a:solidFill>
+                <a:latin typeface="+mn-lt"/>
+                <a:ea typeface="+mn-ea"/>
+                <a:cs typeface="+mn-cs"/>
+              </a:defRPr>
+            </a:lvl1pPr>
+            <a:lvl2pPr marL="685800" indent="-228600" algn="l" defTabSz="914400" rtl="0" eaLnBrk="1" latinLnBrk="0" hangingPunct="1">
+              <a:lnSpc>
+                <a:spcPct val="90000"/>
+              </a:lnSpc>
+              <a:spcBef>
+                <a:spcPts val="500"/>
+              </a:spcBef>
+              <a:buFont typeface="Arial" panose="020B0604020202020204" pitchFamily="34" charset="0"/>
+              <a:buChar char="•"/>
+              <a:defRPr sz="2400" kern="1200">
+                <a:solidFill>
+                  <a:schemeClr val="tx1"/>
+                </a:solidFill>
+                <a:latin typeface="+mn-lt"/>
+                <a:ea typeface="+mn-ea"/>
+                <a:cs typeface="+mn-cs"/>
+              </a:defRPr>
+            </a:lvl2pPr>
+            <a:lvl3pPr marL="1143000" indent="-228600" algn="l" defTabSz="914400" rtl="0" eaLnBrk="1" latinLnBrk="0" hangingPunct="1">
+              <a:lnSpc>
+                <a:spcPct val="90000"/>
+              </a:lnSpc>
+              <a:spcBef>
+                <a:spcPts val="500"/>
+              </a:spcBef>
+              <a:buFont typeface="Arial" panose="020B0604020202020204" pitchFamily="34" charset="0"/>
+              <a:buChar char="•"/>
+              <a:defRPr sz="2000" kern="1200">
+                <a:solidFill>
+                  <a:schemeClr val="tx1"/>
+                </a:solidFill>
+                <a:latin typeface="+mn-lt"/>
+                <a:ea typeface="+mn-ea"/>
+                <a:cs typeface="+mn-cs"/>
+              </a:defRPr>
+            </a:lvl3pPr>
+            <a:lvl4pPr marL="1600200" indent="-228600" algn="l" defTabSz="914400" rtl="0" eaLnBrk="1" latinLnBrk="0" hangingPunct="1">
+              <a:lnSpc>
+                <a:spcPct val="90000"/>
+              </a:lnSpc>
+              <a:spcBef>
+                <a:spcPts val="500"/>
+              </a:spcBef>
+              <a:buFont typeface="Arial" panose="020B0604020202020204" pitchFamily="34" charset="0"/>
+              <a:buChar char="•"/>
+              <a:defRPr sz="1800" kern="1200">
+                <a:solidFill>
+                  <a:schemeClr val="tx1"/>
+                </a:solidFill>
+                <a:latin typeface="+mn-lt"/>
+                <a:ea typeface="+mn-ea"/>
+                <a:cs typeface="+mn-cs"/>
+              </a:defRPr>
+            </a:lvl4pPr>
+            <a:lvl5pPr marL="2057400" indent="-228600" algn="l" defTabSz="914400" rtl="0" eaLnBrk="1" latinLnBrk="0" hangingPunct="1">
+              <a:lnSpc>
+                <a:spcPct val="90000"/>
+              </a:lnSpc>
+              <a:spcBef>
+                <a:spcPts val="500"/>
+              </a:spcBef>
+              <a:buFont typeface="Arial" panose="020B0604020202020204" pitchFamily="34" charset="0"/>
+              <a:buChar char="•"/>
+              <a:defRPr sz="1800" kern="1200">
+                <a:solidFill>
+                  <a:schemeClr val="tx1"/>
+                </a:solidFill>
+                <a:latin typeface="+mn-lt"/>
+                <a:ea typeface="+mn-ea"/>
+                <a:cs typeface="+mn-cs"/>
+              </a:defRPr>
+            </a:lvl5pPr>
+            <a:lvl6pPr marL="2514600" indent="-228600" algn="l" defTabSz="914400" rtl="0" eaLnBrk="1" latinLnBrk="0" hangingPunct="1">
+              <a:lnSpc>
+                <a:spcPct val="90000"/>
+              </a:lnSpc>
+              <a:spcBef>
+                <a:spcPts val="500"/>
+              </a:spcBef>
+              <a:buFont typeface="Arial" panose="020B0604020202020204" pitchFamily="34" charset="0"/>
+              <a:buChar char="•"/>
+              <a:defRPr sz="1800" kern="1200">
+                <a:solidFill>
+                  <a:schemeClr val="tx1"/>
+                </a:solidFill>
+                <a:latin typeface="+mn-lt"/>
+                <a:ea typeface="+mn-ea"/>
+                <a:cs typeface="+mn-cs"/>
+              </a:defRPr>
+            </a:lvl6pPr>
+            <a:lvl7pPr marL="2971800" indent="-228600" algn="l" defTabSz="914400" rtl="0" eaLnBrk="1" latinLnBrk="0" hangingPunct="1">
+              <a:lnSpc>
+                <a:spcPct val="90000"/>
+              </a:lnSpc>
+              <a:spcBef>
+                <a:spcPts val="500"/>
+              </a:spcBef>
+              <a:buFont typeface="Arial" panose="020B0604020202020204" pitchFamily="34" charset="0"/>
+              <a:buChar char="•"/>
+              <a:defRPr sz="1800" kern="1200">
+                <a:solidFill>
+                  <a:schemeClr val="tx1"/>
+                </a:solidFill>
+                <a:latin typeface="+mn-lt"/>
+                <a:ea typeface="+mn-ea"/>
+                <a:cs typeface="+mn-cs"/>
+              </a:defRPr>
+            </a:lvl7pPr>
+            <a:lvl8pPr marL="3429000" indent="-228600" algn="l" defTabSz="914400" rtl="0" eaLnBrk="1" latinLnBrk="0" hangingPunct="1">
+              <a:lnSpc>
+                <a:spcPct val="90000"/>
+              </a:lnSpc>
+              <a:spcBef>
+                <a:spcPts val="500"/>
+              </a:spcBef>
+              <a:buFont typeface="Arial" panose="020B0604020202020204" pitchFamily="34" charset="0"/>
+              <a:buChar char="•"/>
+              <a:defRPr sz="1800" kern="1200">
+                <a:solidFill>
+                  <a:schemeClr val="tx1"/>
+                </a:solidFill>
+                <a:latin typeface="+mn-lt"/>
+                <a:ea typeface="+mn-ea"/>
+                <a:cs typeface="+mn-cs"/>
+              </a:defRPr>
+            </a:lvl8pPr>
+            <a:lvl9pPr marL="3886200" indent="-228600" algn="l" defTabSz="914400" rtl="0" eaLnBrk="1" latinLnBrk="0" hangingPunct="1">
+              <a:lnSpc>
+                <a:spcPct val="90000"/>
+              </a:lnSpc>
+              <a:spcBef>
+                <a:spcPts val="500"/>
+              </a:spcBef>
+              <a:buFont typeface="Arial" panose="020B0604020202020204" pitchFamily="34" charset="0"/>
+              <a:buChar char="•"/>
+              <a:defRPr sz="1800" kern="1200">
+                <a:solidFill>
+                  <a:schemeClr val="tx1"/>
+                </a:solidFill>
+                <a:latin typeface="+mn-lt"/>
+                <a:ea typeface="+mn-ea"/>
+                <a:cs typeface="+mn-cs"/>
+              </a:defRPr>
+            </a:lvl9pPr>
+          </a:lstStyle>
+          <a:p>
+            <a:endParaRPr lang="en-US" sz="2000" dirty="0"/>
+          </a:p>
+        </p:txBody>
+      </p:sp>
+      <p:pic>
+        <p:nvPicPr>
+          <p:cNvPr id="7" name="Picture 6"/>
+          <p:cNvPicPr>
+            <a:picLocks noChangeAspect="1"/>
+          </p:cNvPicPr>
+          <p:nvPr/>
+        </p:nvPicPr>
+        <p:blipFill>
+          <a:blip r:embed="rId2"/>
+          <a:stretch>
+            <a:fillRect/>
+          </a:stretch>
+        </p:blipFill>
+        <p:spPr>
+          <a:xfrm>
+            <a:off x="6185990" y="1825626"/>
+            <a:ext cx="4733925" cy="4265074"/>
+          </a:xfrm>
+          <a:prstGeom prst="rect">
+            <a:avLst/>
+          </a:prstGeom>
+        </p:spPr>
+      </p:pic>
     </p:spTree>
     <p:extLst>
       <p:ext uri="{BB962C8B-B14F-4D97-AF65-F5344CB8AC3E}">
@@ -4614,7 +8549,7 @@
         <p:spPr>
           <a:xfrm>
             <a:off x="838200" y="2671044"/>
-            <a:ext cx="10515600" cy="3373621"/>
+            <a:ext cx="9379226" cy="2688135"/>
           </a:xfrm>
           <a:prstGeom prst="rect">
             <a:avLst/>
